--- a/Documentation/SVM Folien.pptx
+++ b/Documentation/SVM Folien.pptx
@@ -5,17 +5,18 @@
     <p:sldMasterId id="2147483648" r:id="rId1"/>
   </p:sldMasterIdLst>
   <p:notesMasterIdLst>
-    <p:notesMasterId r:id="rId7"/>
+    <p:notesMasterId r:id="rId8"/>
   </p:notesMasterIdLst>
   <p:handoutMasterIdLst>
-    <p:handoutMasterId r:id="rId8"/>
+    <p:handoutMasterId r:id="rId9"/>
   </p:handoutMasterIdLst>
   <p:sldIdLst>
     <p:sldId id="302" r:id="rId2"/>
-    <p:sldId id="298" r:id="rId3"/>
-    <p:sldId id="301" r:id="rId4"/>
-    <p:sldId id="303" r:id="rId5"/>
-    <p:sldId id="287" r:id="rId6"/>
+    <p:sldId id="304" r:id="rId3"/>
+    <p:sldId id="298" r:id="rId4"/>
+    <p:sldId id="301" r:id="rId5"/>
+    <p:sldId id="303" r:id="rId6"/>
+    <p:sldId id="287" r:id="rId7"/>
   </p:sldIdLst>
   <p:sldSz cx="9144000" cy="5143500" type="screen16x9"/>
   <p:notesSz cx="6858000" cy="9144000"/>
@@ -230,7 +231,7 @@
           <a:p>
             <a:fld id="{2DEC1590-0E15-4557-9C65-D8AD6B18B0C9}" type="datetimeFigureOut">
               <a:rPr lang="de-DE" smtClean="0"/>
-              <a:t>07.07.20</a:t>
+              <a:t>09.07.20</a:t>
             </a:fld>
             <a:endParaRPr lang="de-DE"/>
           </a:p>
@@ -407,7 +408,7 @@
           <a:p>
             <a:fld id="{04B5924E-4B7F-4B37-BD36-3DA72D6B2A43}" type="datetimeFigureOut">
               <a:rPr lang="de-DE" smtClean="0"/>
-              <a:t>07.07.20</a:t>
+              <a:t>09.07.20</a:t>
             </a:fld>
             <a:endParaRPr lang="de-DE"/>
           </a:p>
@@ -957,7 +958,7 @@
           <a:p>
             <a:fld id="{09D069C5-CC22-4E88-BB35-FA27CD7EA121}" type="datetime1">
               <a:rPr lang="de-DE" smtClean="0"/>
-              <a:t>07.07.20</a:t>
+              <a:t>09.07.20</a:t>
             </a:fld>
             <a:endParaRPr lang="de-DE" dirty="0"/>
           </a:p>
@@ -1335,7 +1336,7 @@
           <a:p>
             <a:fld id="{09D069C5-CC22-4E88-BB35-FA27CD7EA121}" type="datetime1">
               <a:rPr lang="de-DE" smtClean="0"/>
-              <a:t>07.07.20</a:t>
+              <a:t>09.07.20</a:t>
             </a:fld>
             <a:endParaRPr lang="de-DE" dirty="0"/>
           </a:p>
@@ -1691,7 +1692,7 @@
           <a:p>
             <a:fld id="{09D069C5-CC22-4E88-BB35-FA27CD7EA121}" type="datetime1">
               <a:rPr lang="de-DE" smtClean="0"/>
-              <a:t>07.07.20</a:t>
+              <a:t>09.07.20</a:t>
             </a:fld>
             <a:endParaRPr lang="de-DE" dirty="0"/>
           </a:p>
@@ -2046,7 +2047,7 @@
           <a:p>
             <a:fld id="{09D069C5-CC22-4E88-BB35-FA27CD7EA121}" type="datetime1">
               <a:rPr lang="de-DE" smtClean="0"/>
-              <a:t>07.07.20</a:t>
+              <a:t>09.07.20</a:t>
             </a:fld>
             <a:endParaRPr lang="de-DE" dirty="0"/>
           </a:p>
@@ -2310,7 +2311,7 @@
           <a:p>
             <a:fld id="{09D069C5-CC22-4E88-BB35-FA27CD7EA121}" type="datetime1">
               <a:rPr lang="de-DE" smtClean="0"/>
-              <a:t>07.07.20</a:t>
+              <a:t>09.07.20</a:t>
             </a:fld>
             <a:endParaRPr lang="de-DE" dirty="0"/>
           </a:p>
@@ -2517,7 +2518,7 @@
           <a:p>
             <a:fld id="{09D069C5-CC22-4E88-BB35-FA27CD7EA121}" type="datetime1">
               <a:rPr lang="de-DE" smtClean="0"/>
-              <a:t>07.07.20</a:t>
+              <a:t>09.07.20</a:t>
             </a:fld>
             <a:endParaRPr lang="de-DE" dirty="0"/>
           </a:p>
@@ -2797,7 +2798,7 @@
           <a:p>
             <a:fld id="{09D069C5-CC22-4E88-BB35-FA27CD7EA121}" type="datetime1">
               <a:rPr lang="de-DE" smtClean="0"/>
-              <a:t>07.07.20</a:t>
+              <a:t>09.07.20</a:t>
             </a:fld>
             <a:endParaRPr lang="de-DE" dirty="0"/>
           </a:p>
@@ -3936,7 +3937,7 @@
             <a:pPr algn="ctr"/>
             <a:r>
               <a:rPr lang="de-DE" dirty="0"/>
-              <a:t>SVM</a:t>
+              <a:t>Dataset</a:t>
             </a:r>
           </a:p>
         </p:txBody>
@@ -3967,8 +3968,12 @@
               <a:buChar char="•"/>
             </a:pPr>
             <a:r>
+              <a:rPr lang="de-DE" dirty="0"/>
+              <a:t>Dataset </a:t>
+            </a:r>
+            <a:r>
               <a:rPr lang="de-DE" dirty="0" err="1"/>
-              <a:t>Started</a:t>
+              <a:t>from</a:t>
             </a:r>
             <a:r>
               <a:rPr lang="de-DE" dirty="0"/>
@@ -3976,7 +3981,7 @@
             </a:r>
             <a:r>
               <a:rPr lang="de-DE" dirty="0" err="1"/>
-              <a:t>by</a:t>
+              <a:t>kaggle</a:t>
             </a:r>
             <a:r>
               <a:rPr lang="de-DE" dirty="0"/>
@@ -3984,36 +3989,9 @@
             </a:r>
             <a:r>
               <a:rPr lang="de-DE" dirty="0" err="1"/>
-              <a:t>preparing</a:t>
-            </a:r>
-            <a:r>
-              <a:rPr lang="de-DE" dirty="0"/>
-              <a:t> </a:t>
-            </a:r>
-            <a:r>
-              <a:rPr lang="de-DE" dirty="0" err="1"/>
-              <a:t>the</a:t>
-            </a:r>
-            <a:r>
-              <a:rPr lang="de-DE" dirty="0"/>
-              <a:t> </a:t>
-            </a:r>
-            <a:r>
-              <a:rPr lang="de-DE" dirty="0" err="1"/>
-              <a:t>dataset</a:t>
-            </a:r>
-            <a:r>
-              <a:rPr lang="de-DE" dirty="0"/>
-              <a:t> (</a:t>
-            </a:r>
-            <a:r>
-              <a:rPr lang="de-DE" dirty="0" err="1"/>
-              <a:t>training</a:t>
-            </a:r>
-            <a:r>
-              <a:rPr lang="de-DE" dirty="0"/>
-              <a:t> / test-set)</a:t>
-            </a:r>
+              <a:t>competition</a:t>
+            </a:r>
+            <a:endParaRPr lang="de-DE" dirty="0"/>
           </a:p>
           <a:p>
             <a:pPr marL="342900" indent="-342900">
@@ -4022,13 +4000,24 @@
             </a:pPr>
             <a:r>
               <a:rPr lang="de-DE" dirty="0"/>
-              <a:t>2.304 dimensional input-</a:t>
+              <a:t>48 x 48 Pixel </a:t>
             </a:r>
             <a:r>
               <a:rPr lang="de-DE" dirty="0" err="1"/>
-              <a:t>data</a:t>
-            </a:r>
-            <a:endParaRPr lang="de-DE" dirty="0"/>
+              <a:t>grayscale</a:t>
+            </a:r>
+            <a:r>
+              <a:rPr lang="de-DE" dirty="0"/>
+              <a:t> </a:t>
+            </a:r>
+            <a:r>
+              <a:rPr lang="de-DE" dirty="0" err="1"/>
+              <a:t>images</a:t>
+            </a:r>
+            <a:r>
+              <a:rPr lang="de-DE" dirty="0"/>
+              <a:t> </a:t>
+            </a:r>
           </a:p>
           <a:p>
             <a:pPr marL="342900" indent="-342900">
@@ -4037,23 +4026,60 @@
             </a:pPr>
             <a:r>
               <a:rPr lang="de-DE" dirty="0"/>
-              <a:t>Output: 1 … 6 </a:t>
-            </a:r>
-            <a:r>
-              <a:rPr lang="de-DE" dirty="0" err="1"/>
-              <a:t>for</a:t>
-            </a:r>
-            <a:r>
-              <a:rPr lang="de-DE" dirty="0"/>
-              <a:t> different </a:t>
+              <a:t>28.709 Training-samples</a:t>
             </a:r>
             <a:br>
               <a:rPr lang="de-DE" dirty="0"/>
             </a:br>
             <a:r>
+              <a:rPr lang="de-DE" dirty="0"/>
+              <a:t>7.178 Test-samples</a:t>
+            </a:r>
+            <a:br>
+              <a:rPr lang="de-DE" dirty="0"/>
+            </a:br>
+            <a:r>
+              <a:rPr lang="de-DE" dirty="0"/>
+              <a:t>= 35.887 </a:t>
+            </a:r>
+            <a:r>
               <a:rPr lang="de-DE" dirty="0" err="1"/>
-              <a:t>emotions</a:t>
-            </a:r>
+              <a:t>samples</a:t>
+            </a:r>
+            <a:endParaRPr lang="de-DE" dirty="0"/>
+          </a:p>
+          <a:p>
+            <a:pPr marL="342900" indent="-342900">
+              <a:buFont typeface="Arial" panose="020B0604020202020204" pitchFamily="34" charset="0"/>
+              <a:buChar char="•"/>
+            </a:pPr>
+            <a:r>
+              <a:rPr lang="de-DE" dirty="0"/>
+              <a:t>7 </a:t>
+            </a:r>
+            <a:r>
+              <a:rPr lang="de-DE" dirty="0" err="1"/>
+              <a:t>Emotions</a:t>
+            </a:r>
+            <a:r>
+              <a:rPr lang="de-DE" dirty="0"/>
+              <a:t> </a:t>
+            </a:r>
+            <a:r>
+              <a:rPr lang="de-DE" dirty="0" err="1"/>
+              <a:t>as</a:t>
+            </a:r>
+            <a:r>
+              <a:rPr lang="de-DE" dirty="0"/>
+              <a:t> </a:t>
+            </a:r>
+            <a:r>
+              <a:rPr lang="de-DE" dirty="0" err="1"/>
+              <a:t>labels</a:t>
+            </a:r>
+            <a:br>
+              <a:rPr lang="de-DE" dirty="0"/>
+            </a:br>
             <a:endParaRPr lang="de-DE" dirty="0"/>
           </a:p>
           <a:p>
@@ -4084,7 +4110,7 @@
           <a:p>
             <a:fld id="{09D069C5-CC22-4E88-BB35-FA27CD7EA121}" type="datetime1">
               <a:rPr lang="de-DE" smtClean="0"/>
-              <a:t>07.07.20</a:t>
+              <a:t>09.07.20</a:t>
             </a:fld>
             <a:endParaRPr lang="de-DE" dirty="0"/>
           </a:p>
@@ -4170,8 +4196,68 @@
         </p:blipFill>
         <p:spPr>
           <a:xfrm>
-            <a:off x="3406998" y="2715766"/>
+            <a:off x="3767038" y="3082502"/>
             <a:ext cx="5341466" cy="1577480"/>
+          </a:xfrm>
+          <a:prstGeom prst="rect">
+            <a:avLst/>
+          </a:prstGeom>
+        </p:spPr>
+      </p:pic>
+      <p:pic>
+        <p:nvPicPr>
+          <p:cNvPr id="7" name="Grafik 6">
+            <a:extLst>
+              <a:ext uri="{FF2B5EF4-FFF2-40B4-BE49-F238E27FC236}">
+                <a16:creationId xmlns:a16="http://schemas.microsoft.com/office/drawing/2014/main" id="{E2D2E9BE-3EDC-414A-8B69-A1871179E4EC}"/>
+              </a:ext>
+            </a:extLst>
+          </p:cNvPr>
+          <p:cNvPicPr>
+            <a:picLocks noChangeAspect="1"/>
+          </p:cNvPicPr>
+          <p:nvPr/>
+        </p:nvPicPr>
+        <p:blipFill>
+          <a:blip r:embed="rId3"/>
+          <a:stretch>
+            <a:fillRect/>
+          </a:stretch>
+        </p:blipFill>
+        <p:spPr>
+          <a:xfrm>
+            <a:off x="7521004" y="1272282"/>
+            <a:ext cx="1587500" cy="1587500"/>
+          </a:xfrm>
+          <a:prstGeom prst="rect">
+            <a:avLst/>
+          </a:prstGeom>
+        </p:spPr>
+      </p:pic>
+      <p:pic>
+        <p:nvPicPr>
+          <p:cNvPr id="9" name="Grafik 8">
+            <a:extLst>
+              <a:ext uri="{FF2B5EF4-FFF2-40B4-BE49-F238E27FC236}">
+                <a16:creationId xmlns:a16="http://schemas.microsoft.com/office/drawing/2014/main" id="{B8E18821-F074-B34C-B286-F835D64F2540}"/>
+              </a:ext>
+            </a:extLst>
+          </p:cNvPr>
+          <p:cNvPicPr>
+            <a:picLocks noChangeAspect="1"/>
+          </p:cNvPicPr>
+          <p:nvPr/>
+        </p:nvPicPr>
+        <p:blipFill>
+          <a:blip r:embed="rId4"/>
+          <a:stretch>
+            <a:fillRect/>
+          </a:stretch>
+        </p:blipFill>
+        <p:spPr>
+          <a:xfrm>
+            <a:off x="5936828" y="1272282"/>
+            <a:ext cx="1587500" cy="1587500"/>
           </a:xfrm>
           <a:prstGeom prst="rect">
             <a:avLst/>
@@ -4213,7 +4299,7 @@
           <p:cNvPr id="2" name="Textplatzhalter 1">
             <a:extLst>
               <a:ext uri="{FF2B5EF4-FFF2-40B4-BE49-F238E27FC236}">
-                <a16:creationId xmlns:a16="http://schemas.microsoft.com/office/drawing/2014/main" id="{5B397D4E-4317-460A-A665-764C91367F07}"/>
+                <a16:creationId xmlns:a16="http://schemas.microsoft.com/office/drawing/2014/main" id="{F4FB9072-AA59-5F41-8640-6B7AE8E854C0}"/>
               </a:ext>
             </a:extLst>
           </p:cNvPr>
@@ -4232,146 +4318,288 @@
             <a:pPr algn="ctr"/>
             <a:r>
               <a:rPr lang="de-DE" dirty="0"/>
-              <a:t>SVM</a:t>
-            </a:r>
-          </a:p>
-        </p:txBody>
-      </p:sp>
-      <p:sp>
-        <p:nvSpPr>
-          <p:cNvPr id="3" name="Textplatzhalter 2">
-            <a:extLst>
-              <a:ext uri="{FF2B5EF4-FFF2-40B4-BE49-F238E27FC236}">
-                <a16:creationId xmlns:a16="http://schemas.microsoft.com/office/drawing/2014/main" id="{BDA74449-E3C1-4894-9086-9C8AD40FDE72}"/>
-              </a:ext>
-            </a:extLst>
-          </p:cNvPr>
-          <p:cNvSpPr>
-            <a:spLocks noGrp="1"/>
-          </p:cNvSpPr>
-          <p:nvPr>
-            <p:ph type="body" sz="quarter" idx="14"/>
-          </p:nvPr>
-        </p:nvSpPr>
-        <p:spPr/>
-        <p:txBody>
-          <a:bodyPr/>
-          <a:lstStyle/>
-          <a:p>
-            <a:pPr marL="342900" indent="-342900">
-              <a:buFont typeface="Arial" panose="020B0604020202020204" pitchFamily="34" charset="0"/>
-              <a:buChar char="•"/>
-            </a:pPr>
-            <a:r>
-              <a:rPr lang="de-DE" dirty="0"/>
-              <a:t>2.304 dimensional </a:t>
-            </a:r>
-            <a:r>
-              <a:rPr lang="de-DE" dirty="0" err="1"/>
-              <a:t>input</a:t>
-            </a:r>
-            <a:r>
-              <a:rPr lang="de-DE" dirty="0"/>
-              <a:t> </a:t>
-            </a:r>
-            <a:r>
-              <a:rPr lang="de-DE" dirty="0" err="1"/>
-              <a:t>data</a:t>
-            </a:r>
-            <a:endParaRPr lang="de-DE" dirty="0"/>
-          </a:p>
-          <a:p>
-            <a:pPr marL="342900" indent="-342900">
-              <a:buFont typeface="Arial" panose="020B0604020202020204" pitchFamily="34" charset="0"/>
-              <a:buChar char="•"/>
-            </a:pPr>
-            <a:r>
-              <a:rPr lang="de-DE" dirty="0"/>
-              <a:t>Find hyperplane </a:t>
-            </a:r>
-            <a:r>
-              <a:rPr lang="de-DE" dirty="0" err="1"/>
-              <a:t>to</a:t>
-            </a:r>
-            <a:r>
-              <a:rPr lang="de-DE" dirty="0"/>
-              <a:t> </a:t>
-            </a:r>
-            <a:r>
-              <a:rPr lang="de-DE" dirty="0" err="1"/>
-              <a:t>seperate</a:t>
-            </a:r>
-            <a:r>
-              <a:rPr lang="de-DE" dirty="0"/>
-              <a:t> </a:t>
-            </a:r>
-            <a:r>
-              <a:rPr lang="de-DE" dirty="0" err="1"/>
-              <a:t>data</a:t>
-            </a:r>
-            <a:endParaRPr lang="de-DE" dirty="0"/>
-          </a:p>
-          <a:p>
-            <a:pPr marL="342900" indent="-342900">
-              <a:buFont typeface="Arial" panose="020B0604020202020204" pitchFamily="34" charset="0"/>
-              <a:buChar char="•"/>
-            </a:pPr>
-            <a:r>
-              <a:rPr lang="de-DE" dirty="0" err="1"/>
-              <a:t>Apply</a:t>
-            </a:r>
-            <a:r>
-              <a:rPr lang="de-DE" dirty="0"/>
-              <a:t> </a:t>
-            </a:r>
-            <a:r>
-              <a:rPr lang="de-DE" dirty="0" err="1"/>
-              <a:t>kernel</a:t>
-            </a:r>
-            <a:r>
-              <a:rPr lang="de-DE" dirty="0"/>
-              <a:t> </a:t>
-            </a:r>
-            <a:r>
-              <a:rPr lang="de-DE" dirty="0" err="1"/>
-              <a:t>trick</a:t>
-            </a:r>
-            <a:r>
-              <a:rPr lang="de-DE" dirty="0"/>
-              <a:t> </a:t>
-            </a:r>
-            <a:r>
-              <a:rPr lang="de-DE" dirty="0" err="1"/>
-              <a:t>for</a:t>
-            </a:r>
-            <a:r>
-              <a:rPr lang="de-DE" dirty="0"/>
-              <a:t> non-linear</a:t>
-            </a:r>
-            <a:br>
-              <a:rPr lang="de-DE" dirty="0"/>
-            </a:br>
-            <a:r>
-              <a:rPr lang="de-DE" dirty="0" err="1"/>
-              <a:t>data</a:t>
-            </a:r>
-            <a:endParaRPr lang="de-DE" dirty="0"/>
-          </a:p>
-          <a:p>
-            <a:pPr marL="342900" indent="-342900">
-              <a:buFont typeface="Arial" panose="020B0604020202020204" pitchFamily="34" charset="0"/>
-              <a:buChar char="•"/>
-            </a:pPr>
-            <a:endParaRPr lang="de-DE" dirty="0"/>
-          </a:p>
-        </p:txBody>
-      </p:sp>
+              <a:t>Dataset</a:t>
+            </a:r>
+          </a:p>
+        </p:txBody>
+      </p:sp>
+      <mc:AlternateContent xmlns:mc="http://schemas.openxmlformats.org/markup-compatibility/2006">
+        <mc:Choice xmlns:a14="http://schemas.microsoft.com/office/drawing/2010/main" Requires="a14">
+          <p:sp>
+            <p:nvSpPr>
+              <p:cNvPr id="3" name="Textplatzhalter 2">
+                <a:extLst>
+                  <a:ext uri="{FF2B5EF4-FFF2-40B4-BE49-F238E27FC236}">
+                    <a16:creationId xmlns:a16="http://schemas.microsoft.com/office/drawing/2014/main" id="{39AC63A8-31B5-0248-B610-DE802D72A555}"/>
+                  </a:ext>
+                </a:extLst>
+              </p:cNvPr>
+              <p:cNvSpPr>
+                <a:spLocks noGrp="1"/>
+              </p:cNvSpPr>
+              <p:nvPr>
+                <p:ph type="body" sz="quarter" idx="14"/>
+              </p:nvPr>
+            </p:nvSpPr>
+            <p:spPr/>
+            <p:txBody>
+              <a:bodyPr/>
+              <a:lstStyle/>
+              <a:p>
+                <a:pPr marL="342900" indent="-342900">
+                  <a:buFont typeface="Arial" panose="020B0604020202020204" pitchFamily="34" charset="0"/>
+                  <a:buChar char="•"/>
+                </a:pPr>
+                <a:r>
+                  <a:rPr lang="de-DE" dirty="0"/>
+                  <a:t>Preparing </a:t>
+                </a:r>
+                <a:r>
+                  <a:rPr lang="de-DE" dirty="0" err="1"/>
+                  <a:t>dataset</a:t>
+                </a:r>
+                <a:r>
+                  <a:rPr lang="de-DE" dirty="0"/>
+                  <a:t> (</a:t>
+                </a:r>
+                <a:r>
+                  <a:rPr lang="de-DE" dirty="0" err="1"/>
+                  <a:t>training</a:t>
+                </a:r>
+                <a:r>
+                  <a:rPr lang="de-DE" dirty="0"/>
+                  <a:t> / </a:t>
+                </a:r>
+                <a:r>
+                  <a:rPr lang="de-DE" dirty="0" err="1"/>
+                  <a:t>test</a:t>
+                </a:r>
+                <a:r>
+                  <a:rPr lang="de-DE" dirty="0"/>
+                  <a:t>)</a:t>
+                </a:r>
+              </a:p>
+              <a:p>
+                <a:pPr marL="342900" indent="-342900">
+                  <a:buFont typeface="Arial" panose="020B0604020202020204" pitchFamily="34" charset="0"/>
+                  <a:buChar char="•"/>
+                </a:pPr>
+                <a:r>
+                  <a:rPr lang="de-DE" dirty="0"/>
+                  <a:t>(48 x 48) = 2.304 dimensional input-</a:t>
+                </a:r>
+                <a:r>
+                  <a:rPr lang="de-DE" dirty="0" err="1"/>
+                  <a:t>data</a:t>
+                </a:r>
+                <a:endParaRPr lang="de-DE" i="1" dirty="0">
+                  <a:latin typeface="Cambria Math" panose="02040503050406030204" pitchFamily="18" charset="0"/>
+                  <a:ea typeface="Cambria Math" panose="02040503050406030204" pitchFamily="18" charset="0"/>
+                </a:endParaRPr>
+              </a:p>
+              <a:p>
+                <a:pPr/>
+                <a14:m>
+                  <m:oMathPara xmlns:m="http://schemas.openxmlformats.org/officeDocument/2006/math">
+                    <m:oMathParaPr>
+                      <m:jc m:val="centerGroup"/>
+                    </m:oMathParaPr>
+                    <m:oMath xmlns:m="http://schemas.openxmlformats.org/officeDocument/2006/math">
+                      <m:r>
+                        <a:rPr lang="de-DE" i="1" smtClean="0">
+                          <a:latin typeface="Cambria Math" panose="02040503050406030204" pitchFamily="18" charset="0"/>
+                          <a:ea typeface="Cambria Math" panose="02040503050406030204" pitchFamily="18" charset="0"/>
+                        </a:rPr>
+                        <m:t>⟹</m:t>
+                      </m:r>
+                      <m:sSub>
+                        <m:sSubPr>
+                          <m:ctrlPr>
+                            <a:rPr lang="de-DE" b="0" i="1" smtClean="0">
+                              <a:latin typeface="Cambria Math" panose="02040503050406030204" pitchFamily="18" charset="0"/>
+                              <a:ea typeface="Cambria Math" panose="02040503050406030204" pitchFamily="18" charset="0"/>
+                            </a:rPr>
+                          </m:ctrlPr>
+                        </m:sSubPr>
+                        <m:e>
+                          <m:r>
+                            <a:rPr lang="de-DE" b="0" i="1" smtClean="0">
+                              <a:latin typeface="Cambria Math" panose="02040503050406030204" pitchFamily="18" charset="0"/>
+                              <a:ea typeface="Cambria Math" panose="02040503050406030204" pitchFamily="18" charset="0"/>
+                            </a:rPr>
+                            <m:t>𝑥</m:t>
+                          </m:r>
+                        </m:e>
+                        <m:sub>
+                          <m:r>
+                            <a:rPr lang="de-DE" b="0" i="1" smtClean="0">
+                              <a:latin typeface="Cambria Math" panose="02040503050406030204" pitchFamily="18" charset="0"/>
+                              <a:ea typeface="Cambria Math" panose="02040503050406030204" pitchFamily="18" charset="0"/>
+                            </a:rPr>
+                            <m:t>𝑛</m:t>
+                          </m:r>
+                        </m:sub>
+                      </m:sSub>
+                      <m:r>
+                        <a:rPr lang="de-DE" b="0" i="1" smtClean="0">
+                          <a:latin typeface="Cambria Math" panose="02040503050406030204" pitchFamily="18" charset="0"/>
+                          <a:ea typeface="Cambria Math" panose="02040503050406030204" pitchFamily="18" charset="0"/>
+                        </a:rPr>
+                        <m:t>∈</m:t>
+                      </m:r>
+                      <m:sSup>
+                        <m:sSupPr>
+                          <m:ctrlPr>
+                            <a:rPr lang="de-DE" b="0" i="1" smtClean="0">
+                              <a:latin typeface="Cambria Math" panose="02040503050406030204" pitchFamily="18" charset="0"/>
+                              <a:ea typeface="Cambria Math" panose="02040503050406030204" pitchFamily="18" charset="0"/>
+                            </a:rPr>
+                          </m:ctrlPr>
+                        </m:sSupPr>
+                        <m:e>
+                          <m:r>
+                            <a:rPr lang="de-DE" b="0" i="1" smtClean="0">
+                              <a:latin typeface="Cambria Math" panose="02040503050406030204" pitchFamily="18" charset="0"/>
+                              <a:ea typeface="Cambria Math" panose="02040503050406030204" pitchFamily="18" charset="0"/>
+                            </a:rPr>
+                            <m:t>{0,…,255}</m:t>
+                          </m:r>
+                        </m:e>
+                        <m:sup>
+                          <m:r>
+                            <a:rPr lang="de-DE" b="0" i="1" smtClean="0">
+                              <a:latin typeface="Cambria Math" panose="02040503050406030204" pitchFamily="18" charset="0"/>
+                              <a:ea typeface="Cambria Math" panose="02040503050406030204" pitchFamily="18" charset="0"/>
+                            </a:rPr>
+                            <m:t>2.304</m:t>
+                          </m:r>
+                        </m:sup>
+                      </m:sSup>
+                    </m:oMath>
+                  </m:oMathPara>
+                </a14:m>
+                <a:endParaRPr lang="de-DE" dirty="0"/>
+              </a:p>
+              <a:p>
+                <a:pPr marL="342900" indent="-342900">
+                  <a:buFont typeface="Arial" panose="020B0604020202020204" pitchFamily="34" charset="0"/>
+                  <a:buChar char="•"/>
+                </a:pPr>
+                <a:r>
+                  <a:rPr lang="de-DE" dirty="0"/>
+                  <a:t>Output: </a:t>
+                </a:r>
+                <a14:m>
+                  <m:oMath xmlns:m="http://schemas.openxmlformats.org/officeDocument/2006/math">
+                    <m:sSub>
+                      <m:sSubPr>
+                        <m:ctrlPr>
+                          <a:rPr lang="de-DE" b="0" i="1" dirty="0" smtClean="0">
+                            <a:latin typeface="Cambria Math" panose="02040503050406030204" pitchFamily="18" charset="0"/>
+                          </a:rPr>
+                        </m:ctrlPr>
+                      </m:sSubPr>
+                      <m:e>
+                        <m:r>
+                          <a:rPr lang="de-DE" b="0" i="1" dirty="0" smtClean="0">
+                            <a:latin typeface="Cambria Math" panose="02040503050406030204" pitchFamily="18" charset="0"/>
+                          </a:rPr>
+                          <m:t>𝑦</m:t>
+                        </m:r>
+                      </m:e>
+                      <m:sub>
+                        <m:r>
+                          <a:rPr lang="de-DE" b="0" i="1" dirty="0" smtClean="0">
+                            <a:latin typeface="Cambria Math" panose="02040503050406030204" pitchFamily="18" charset="0"/>
+                          </a:rPr>
+                          <m:t>𝑛</m:t>
+                        </m:r>
+                      </m:sub>
+                    </m:sSub>
+                    <m:r>
+                      <a:rPr lang="de-DE" b="0" i="1" dirty="0" smtClean="0">
+                        <a:latin typeface="Cambria Math" panose="02040503050406030204" pitchFamily="18" charset="0"/>
+                      </a:rPr>
+                      <m:t>∈</m:t>
+                    </m:r>
+                    <m:d>
+                      <m:dPr>
+                        <m:begChr m:val="{"/>
+                        <m:endChr m:val="}"/>
+                        <m:ctrlPr>
+                          <a:rPr lang="de-DE" b="0" i="1" dirty="0" smtClean="0">
+                            <a:latin typeface="Cambria Math" panose="02040503050406030204" pitchFamily="18" charset="0"/>
+                          </a:rPr>
+                        </m:ctrlPr>
+                      </m:dPr>
+                      <m:e>
+                        <m:r>
+                          <a:rPr lang="de-DE" b="0" i="1" dirty="0" smtClean="0">
+                            <a:latin typeface="Cambria Math" panose="02040503050406030204" pitchFamily="18" charset="0"/>
+                          </a:rPr>
+                          <m:t>0,…,6</m:t>
+                        </m:r>
+                      </m:e>
+                    </m:d>
+                  </m:oMath>
+                </a14:m>
+                <a:br>
+                  <a:rPr lang="de-DE" dirty="0"/>
+                </a:br>
+                <a:endParaRPr lang="de-DE" dirty="0"/>
+              </a:p>
+              <a:p>
+                <a:endParaRPr lang="de-DE" dirty="0"/>
+              </a:p>
+            </p:txBody>
+          </p:sp>
+        </mc:Choice>
+        <mc:Fallback>
+          <p:sp>
+            <p:nvSpPr>
+              <p:cNvPr id="3" name="Textplatzhalter 2">
+                <a:extLst>
+                  <a:ext uri="{FF2B5EF4-FFF2-40B4-BE49-F238E27FC236}">
+                    <a16:creationId xmlns:a16="http://schemas.microsoft.com/office/drawing/2014/main" id="{39AC63A8-31B5-0248-B610-DE802D72A555}"/>
+                  </a:ext>
+                </a:extLst>
+              </p:cNvPr>
+              <p:cNvSpPr>
+                <a:spLocks noGrp="1" noRot="1" noChangeAspect="1" noMove="1" noResize="1" noEditPoints="1" noAdjustHandles="1" noChangeArrowheads="1" noChangeShapeType="1" noTextEdit="1"/>
+              </p:cNvSpPr>
+              <p:nvPr>
+                <p:ph type="body" sz="quarter" idx="14"/>
+              </p:nvPr>
+            </p:nvSpPr>
+            <p:spPr>
+              <a:blipFill>
+                <a:blip r:embed="rId2"/>
+                <a:stretch>
+                  <a:fillRect l="-594" t="-877"/>
+                </a:stretch>
+              </a:blipFill>
+            </p:spPr>
+            <p:txBody>
+              <a:bodyPr/>
+              <a:lstStyle/>
+              <a:p>
+                <a:r>
+                  <a:rPr lang="de-DE">
+                    <a:noFill/>
+                  </a:rPr>
+                  <a:t> </a:t>
+                </a:r>
+              </a:p>
+            </p:txBody>
+          </p:sp>
+        </mc:Fallback>
+      </mc:AlternateContent>
       <p:sp>
         <p:nvSpPr>
           <p:cNvPr id="4" name="Datumsplatzhalter 3">
             <a:extLst>
               <a:ext uri="{FF2B5EF4-FFF2-40B4-BE49-F238E27FC236}">
-                <a16:creationId xmlns:a16="http://schemas.microsoft.com/office/drawing/2014/main" id="{17B4E98B-30AD-49D1-91AC-5AD245D9C49E}"/>
+                <a16:creationId xmlns:a16="http://schemas.microsoft.com/office/drawing/2014/main" id="{A12FC185-2F0C-AD4F-86A0-F2BB580BEF78}"/>
               </a:ext>
             </a:extLst>
           </p:cNvPr>
@@ -4389,7 +4617,7 @@
           <a:p>
             <a:fld id="{09D069C5-CC22-4E88-BB35-FA27CD7EA121}" type="datetime1">
               <a:rPr lang="de-DE" smtClean="0"/>
-              <a:t>07.07.20</a:t>
+              <a:t>09.07.20</a:t>
             </a:fld>
             <a:endParaRPr lang="de-DE" dirty="0"/>
           </a:p>
@@ -4400,7 +4628,7 @@
           <p:cNvPr id="5" name="Fußzeilenplatzhalter 4">
             <a:extLst>
               <a:ext uri="{FF2B5EF4-FFF2-40B4-BE49-F238E27FC236}">
-                <a16:creationId xmlns:a16="http://schemas.microsoft.com/office/drawing/2014/main" id="{6866D9C7-EB32-4BF1-93BB-7BEB5EB8B380}"/>
+                <a16:creationId xmlns:a16="http://schemas.microsoft.com/office/drawing/2014/main" id="{9955E01A-3455-B84C-A75A-3AE2C1EF4B80}"/>
               </a:ext>
             </a:extLst>
           </p:cNvPr>
@@ -4429,7 +4657,7 @@
           <p:cNvPr id="6" name="Foliennummernplatzhalter 5">
             <a:extLst>
               <a:ext uri="{FF2B5EF4-FFF2-40B4-BE49-F238E27FC236}">
-                <a16:creationId xmlns:a16="http://schemas.microsoft.com/office/drawing/2014/main" id="{32488A70-7BBC-496E-BFEC-9017CABA6593}"/>
+                <a16:creationId xmlns:a16="http://schemas.microsoft.com/office/drawing/2014/main" id="{93B9B7A3-F446-1C4C-B4AA-BFBD68A58E71}"/>
               </a:ext>
             </a:extLst>
           </p:cNvPr>
@@ -4453,63 +4681,12 @@
           </a:p>
         </p:txBody>
       </p:sp>
-      <p:sp>
-        <p:nvSpPr>
-          <p:cNvPr id="7" name="Ellipse 6">
+      <p:pic>
+        <p:nvPicPr>
+          <p:cNvPr id="8" name="Grafik 7" descr="Ein Bild, das Screenshot enthält.&#10;&#10;Automatisch generierte Beschreibung">
             <a:extLst>
               <a:ext uri="{FF2B5EF4-FFF2-40B4-BE49-F238E27FC236}">
-                <a16:creationId xmlns:a16="http://schemas.microsoft.com/office/drawing/2014/main" id="{D18DA7AD-1BE1-4A3F-9B1F-A0C64CBB8D42}"/>
-              </a:ext>
-            </a:extLst>
-          </p:cNvPr>
-          <p:cNvSpPr/>
-          <p:nvPr/>
-        </p:nvSpPr>
-        <p:spPr>
-          <a:xfrm>
-            <a:off x="7506000" y="660839"/>
-            <a:ext cx="79209" cy="79209"/>
-          </a:xfrm>
-          <a:prstGeom prst="ellipse">
-            <a:avLst/>
-          </a:prstGeom>
-          <a:solidFill>
-            <a:srgbClr val="FF0000"/>
-          </a:solidFill>
-          <a:ln>
-            <a:noFill/>
-          </a:ln>
-          <a:effectLst/>
-        </p:spPr>
-        <p:style>
-          <a:lnRef idx="1">
-            <a:schemeClr val="accent1"/>
-          </a:lnRef>
-          <a:fillRef idx="3">
-            <a:schemeClr val="accent1"/>
-          </a:fillRef>
-          <a:effectRef idx="2">
-            <a:schemeClr val="accent1"/>
-          </a:effectRef>
-          <a:fontRef idx="minor">
-            <a:schemeClr val="lt1"/>
-          </a:fontRef>
-        </p:style>
-        <p:txBody>
-          <a:bodyPr rtlCol="0" anchor="ctr"/>
-          <a:lstStyle/>
-          <a:p>
-            <a:pPr algn="ctr"/>
-            <a:endParaRPr lang="de-DE"/>
-          </a:p>
-        </p:txBody>
-      </p:sp>
-      <p:pic>
-        <p:nvPicPr>
-          <p:cNvPr id="9" name="Grafik 8">
-            <a:extLst>
-              <a:ext uri="{FF2B5EF4-FFF2-40B4-BE49-F238E27FC236}">
-                <a16:creationId xmlns:a16="http://schemas.microsoft.com/office/drawing/2014/main" id="{52397B07-2EA9-7E48-B80B-8D2D2AA53C0C}"/>
+                <a16:creationId xmlns:a16="http://schemas.microsoft.com/office/drawing/2014/main" id="{A530D8FE-CA3C-BA4C-A4D4-3C72CE1CEC7B}"/>
               </a:ext>
             </a:extLst>
           </p:cNvPr>
@@ -4519,15 +4696,75 @@
           <p:nvPr/>
         </p:nvPicPr>
         <p:blipFill>
-          <a:blip r:embed="rId2"/>
+          <a:blip r:embed="rId3"/>
           <a:stretch>
             <a:fillRect/>
           </a:stretch>
         </p:blipFill>
         <p:spPr>
           <a:xfrm>
-            <a:off x="4348805" y="1710715"/>
-            <a:ext cx="4399659" cy="1902853"/>
+            <a:off x="3767038" y="3082502"/>
+            <a:ext cx="5341466" cy="1577480"/>
+          </a:xfrm>
+          <a:prstGeom prst="rect">
+            <a:avLst/>
+          </a:prstGeom>
+        </p:spPr>
+      </p:pic>
+      <p:pic>
+        <p:nvPicPr>
+          <p:cNvPr id="7" name="Grafik 6">
+            <a:extLst>
+              <a:ext uri="{FF2B5EF4-FFF2-40B4-BE49-F238E27FC236}">
+                <a16:creationId xmlns:a16="http://schemas.microsoft.com/office/drawing/2014/main" id="{E2D2E9BE-3EDC-414A-8B69-A1871179E4EC}"/>
+              </a:ext>
+            </a:extLst>
+          </p:cNvPr>
+          <p:cNvPicPr>
+            <a:picLocks noChangeAspect="1"/>
+          </p:cNvPicPr>
+          <p:nvPr/>
+        </p:nvPicPr>
+        <p:blipFill>
+          <a:blip r:embed="rId4"/>
+          <a:stretch>
+            <a:fillRect/>
+          </a:stretch>
+        </p:blipFill>
+        <p:spPr>
+          <a:xfrm>
+            <a:off x="7521004" y="1272282"/>
+            <a:ext cx="1587500" cy="1587500"/>
+          </a:xfrm>
+          <a:prstGeom prst="rect">
+            <a:avLst/>
+          </a:prstGeom>
+        </p:spPr>
+      </p:pic>
+      <p:pic>
+        <p:nvPicPr>
+          <p:cNvPr id="9" name="Grafik 8">
+            <a:extLst>
+              <a:ext uri="{FF2B5EF4-FFF2-40B4-BE49-F238E27FC236}">
+                <a16:creationId xmlns:a16="http://schemas.microsoft.com/office/drawing/2014/main" id="{B8E18821-F074-B34C-B286-F835D64F2540}"/>
+              </a:ext>
+            </a:extLst>
+          </p:cNvPr>
+          <p:cNvPicPr>
+            <a:picLocks noChangeAspect="1"/>
+          </p:cNvPicPr>
+          <p:nvPr/>
+        </p:nvPicPr>
+        <p:blipFill>
+          <a:blip r:embed="rId5"/>
+          <a:stretch>
+            <a:fillRect/>
+          </a:stretch>
+        </p:blipFill>
+        <p:spPr>
+          <a:xfrm>
+            <a:off x="5936828" y="1272282"/>
+            <a:ext cx="1587500" cy="1587500"/>
           </a:xfrm>
           <a:prstGeom prst="rect">
             <a:avLst/>
@@ -4537,7 +4774,7 @@
     </p:spTree>
     <p:extLst>
       <p:ext uri="{BB962C8B-B14F-4D97-AF65-F5344CB8AC3E}">
-        <p14:creationId xmlns:p14="http://schemas.microsoft.com/office/powerpoint/2010/main" val="685174305"/>
+        <p14:creationId xmlns:p14="http://schemas.microsoft.com/office/powerpoint/2010/main" val="2724403892"/>
       </p:ext>
     </p:extLst>
   </p:cSld>
@@ -4569,7 +4806,7 @@
           <p:cNvPr id="2" name="Textplatzhalter 1">
             <a:extLst>
               <a:ext uri="{FF2B5EF4-FFF2-40B4-BE49-F238E27FC236}">
-                <a16:creationId xmlns:a16="http://schemas.microsoft.com/office/drawing/2014/main" id="{E82EFE12-FF2B-244C-8CF6-84A47EB70F4A}"/>
+                <a16:creationId xmlns:a16="http://schemas.microsoft.com/office/drawing/2014/main" id="{5B397D4E-4317-460A-A665-764C91367F07}"/>
               </a:ext>
             </a:extLst>
           </p:cNvPr>
@@ -4588,149 +4825,739 @@
             <a:pPr algn="ctr"/>
             <a:r>
               <a:rPr lang="de-DE" dirty="0"/>
-              <a:t>SVM</a:t>
-            </a:r>
-          </a:p>
-        </p:txBody>
-      </p:sp>
-      <p:sp>
-        <p:nvSpPr>
-          <p:cNvPr id="3" name="Textplatzhalter 2">
-            <a:extLst>
-              <a:ext uri="{FF2B5EF4-FFF2-40B4-BE49-F238E27FC236}">
-                <a16:creationId xmlns:a16="http://schemas.microsoft.com/office/drawing/2014/main" id="{3AF51079-7F28-B34A-980D-FA0837D664AD}"/>
-              </a:ext>
-            </a:extLst>
-          </p:cNvPr>
-          <p:cNvSpPr>
-            <a:spLocks noGrp="1"/>
-          </p:cNvSpPr>
-          <p:nvPr>
-            <p:ph type="body" sz="quarter" idx="14"/>
-          </p:nvPr>
-        </p:nvSpPr>
-        <p:spPr/>
-        <p:txBody>
-          <a:bodyPr>
-            <a:normAutofit/>
-          </a:bodyPr>
-          <a:lstStyle/>
-          <a:p>
-            <a:pPr marL="342900" indent="-342900">
-              <a:buFont typeface="Arial" panose="020B0604020202020204" pitchFamily="34" charset="0"/>
-              <a:buChar char="•"/>
-            </a:pPr>
+              <a:t>SVM– General </a:t>
+            </a:r>
             <a:r>
               <a:rPr lang="de-DE" dirty="0" err="1"/>
-              <a:t>Grid</a:t>
-            </a:r>
-            <a:r>
-              <a:rPr lang="de-DE" dirty="0"/>
-              <a:t> </a:t>
-            </a:r>
-            <a:r>
-              <a:rPr lang="de-DE" dirty="0" err="1"/>
-              <a:t>search</a:t>
-            </a:r>
-            <a:r>
-              <a:rPr lang="de-DE" dirty="0"/>
-              <a:t> </a:t>
-            </a:r>
-            <a:r>
-              <a:rPr lang="de-DE" dirty="0" err="1"/>
-              <a:t>for</a:t>
-            </a:r>
-            <a:r>
-              <a:rPr lang="de-DE" dirty="0"/>
-              <a:t> optimal </a:t>
-            </a:r>
-            <a:r>
-              <a:rPr lang="de-DE" dirty="0" err="1"/>
-              <a:t>paramters</a:t>
+              <a:t>Idea</a:t>
             </a:r>
             <a:endParaRPr lang="de-DE" dirty="0"/>
           </a:p>
-          <a:p>
-            <a:pPr marL="342900" indent="-342900">
-              <a:buFont typeface="Arial" panose="020B0604020202020204" pitchFamily="34" charset="0"/>
-              <a:buChar char="•"/>
-            </a:pPr>
-            <a:r>
-              <a:rPr lang="de-DE" dirty="0"/>
-              <a:t>Best </a:t>
-            </a:r>
-            <a:r>
-              <a:rPr lang="de-DE" dirty="0" err="1"/>
-              <a:t>parameter</a:t>
-            </a:r>
-            <a:r>
-              <a:rPr lang="de-DE" dirty="0"/>
-              <a:t> </a:t>
-            </a:r>
-            <a:r>
-              <a:rPr lang="de-DE" dirty="0" err="1"/>
-              <a:t>choice</a:t>
-            </a:r>
-            <a:r>
-              <a:rPr lang="de-DE" dirty="0"/>
-              <a:t> </a:t>
-            </a:r>
-            <a:r>
-              <a:rPr lang="de-DE" dirty="0" err="1"/>
-              <a:t>is</a:t>
-            </a:r>
-            <a:r>
-              <a:rPr lang="de-DE" dirty="0"/>
-              <a:t>:</a:t>
-            </a:r>
-            <a:br>
-              <a:rPr lang="de-DE" dirty="0"/>
-            </a:br>
-            <a:r>
-              <a:rPr lang="de-DE" dirty="0"/>
-              <a:t>Kernel: </a:t>
-            </a:r>
-            <a:r>
-              <a:rPr lang="de-DE" dirty="0" err="1"/>
-              <a:t>rbf</a:t>
-            </a:r>
-            <a:r>
-              <a:rPr lang="de-DE" dirty="0"/>
-              <a:t>-Kernel</a:t>
-            </a:r>
-            <a:br>
-              <a:rPr lang="de-DE" dirty="0"/>
-            </a:br>
-            <a:r>
-              <a:rPr lang="de-DE" dirty="0"/>
-              <a:t>C = 10, </a:t>
-            </a:r>
-            <a:br>
-              <a:rPr lang="de-DE" dirty="0"/>
-            </a:br>
-            <a:r>
-              <a:rPr lang="de-DE" dirty="0"/>
-              <a:t>Gamma = 0.001</a:t>
-            </a:r>
-          </a:p>
-          <a:p>
-            <a:pPr marL="342900" indent="-342900">
-              <a:buFont typeface="Arial" panose="020B0604020202020204" pitchFamily="34" charset="0"/>
-              <a:buChar char="•"/>
-            </a:pPr>
-            <a:endParaRPr lang="de-DE" dirty="0"/>
-          </a:p>
-          <a:p>
-            <a:endParaRPr lang="de-DE" dirty="0"/>
-          </a:p>
-        </p:txBody>
-      </p:sp>
+        </p:txBody>
+      </p:sp>
+      <mc:AlternateContent xmlns:mc="http://schemas.openxmlformats.org/markup-compatibility/2006">
+        <mc:Choice xmlns:a14="http://schemas.microsoft.com/office/drawing/2010/main" Requires="a14">
+          <p:sp>
+            <p:nvSpPr>
+              <p:cNvPr id="3" name="Textplatzhalter 2">
+                <a:extLst>
+                  <a:ext uri="{FF2B5EF4-FFF2-40B4-BE49-F238E27FC236}">
+                    <a16:creationId xmlns:a16="http://schemas.microsoft.com/office/drawing/2014/main" id="{BDA74449-E3C1-4894-9086-9C8AD40FDE72}"/>
+                  </a:ext>
+                </a:extLst>
+              </p:cNvPr>
+              <p:cNvSpPr>
+                <a:spLocks noGrp="1"/>
+              </p:cNvSpPr>
+              <p:nvPr>
+                <p:ph type="body" sz="quarter" idx="14"/>
+              </p:nvPr>
+            </p:nvSpPr>
+            <p:spPr/>
+            <p:txBody>
+              <a:bodyPr/>
+              <a:lstStyle/>
+              <a:p>
+                <a:pPr marL="342900" indent="-342900">
+                  <a:buFont typeface="Arial" panose="020B0604020202020204" pitchFamily="34" charset="0"/>
+                  <a:buChar char="•"/>
+                </a:pPr>
+                <a:r>
+                  <a:rPr lang="de-DE" dirty="0"/>
+                  <a:t>Input </a:t>
+                </a:r>
+                <a:r>
+                  <a:rPr lang="de-DE" dirty="0" err="1"/>
+                  <a:t>data</a:t>
+                </a:r>
+                <a:r>
+                  <a:rPr lang="de-DE" dirty="0"/>
+                  <a:t>: </a:t>
+                </a:r>
+                <a14:m>
+                  <m:oMath xmlns:m="http://schemas.openxmlformats.org/officeDocument/2006/math">
+                    <m:r>
+                      <a:rPr lang="de-DE" b="0" i="1" smtClean="0">
+                        <a:latin typeface="Cambria Math" panose="02040503050406030204" pitchFamily="18" charset="0"/>
+                      </a:rPr>
+                      <m:t>𝑋</m:t>
+                    </m:r>
+                    <m:r>
+                      <a:rPr lang="de-DE" b="0" i="1" smtClean="0">
+                        <a:latin typeface="Cambria Math" panose="02040503050406030204" pitchFamily="18" charset="0"/>
+                      </a:rPr>
+                      <m:t>∈</m:t>
+                    </m:r>
+                    <m:sSup>
+                      <m:sSupPr>
+                        <m:ctrlPr>
+                          <a:rPr lang="de-DE" b="0" i="1" smtClean="0">
+                            <a:latin typeface="Cambria Math" panose="02040503050406030204" pitchFamily="18" charset="0"/>
+                            <a:ea typeface="Cambria Math" panose="02040503050406030204" pitchFamily="18" charset="0"/>
+                          </a:rPr>
+                        </m:ctrlPr>
+                      </m:sSupPr>
+                      <m:e>
+                        <m:r>
+                          <a:rPr lang="de-DE" i="1">
+                            <a:latin typeface="Cambria Math" panose="02040503050406030204" pitchFamily="18" charset="0"/>
+                            <a:ea typeface="Cambria Math" panose="02040503050406030204" pitchFamily="18" charset="0"/>
+                          </a:rPr>
+                          <m:t>ℝ</m:t>
+                        </m:r>
+                      </m:e>
+                      <m:sup>
+                        <m:eqArr>
+                          <m:eqArrPr>
+                            <m:ctrlPr>
+                              <a:rPr lang="de-DE" b="0" i="1" smtClean="0">
+                                <a:latin typeface="Cambria Math" panose="02040503050406030204" pitchFamily="18" charset="0"/>
+                                <a:ea typeface="Cambria Math" panose="02040503050406030204" pitchFamily="18" charset="0"/>
+                              </a:rPr>
+                            </m:ctrlPr>
+                          </m:eqArrPr>
+                          <m:e>
+                            <m:r>
+                              <a:rPr lang="de-DE" b="0" i="1" smtClean="0">
+                                <a:latin typeface="Cambria Math" panose="02040503050406030204" pitchFamily="18" charset="0"/>
+                                <a:ea typeface="Cambria Math" panose="02040503050406030204" pitchFamily="18" charset="0"/>
+                              </a:rPr>
+                              <m:t>2.034 ×28.709</m:t>
+                            </m:r>
+                          </m:e>
+                          <m:e>
+                            <m:r>
+                              <a:rPr lang="de-DE" b="0" i="1" smtClean="0">
+                                <a:latin typeface="Cambria Math" panose="02040503050406030204" pitchFamily="18" charset="0"/>
+                                <a:ea typeface="Cambria Math" panose="02040503050406030204" pitchFamily="18" charset="0"/>
+                              </a:rPr>
+                              <m:t> </m:t>
+                            </m:r>
+                          </m:e>
+                        </m:eqArr>
+                      </m:sup>
+                    </m:sSup>
+                  </m:oMath>
+                </a14:m>
+                <a:r>
+                  <a:rPr lang="de-DE" dirty="0"/>
+                  <a:t> </a:t>
+                </a:r>
+                <a:br>
+                  <a:rPr lang="de-DE" dirty="0"/>
+                </a:br>
+                <a:r>
+                  <a:rPr lang="de-DE" dirty="0"/>
+                  <a:t>Labels </a:t>
+                </a:r>
+                <a:r>
+                  <a:rPr lang="de-DE" dirty="0" err="1"/>
+                  <a:t>vector</a:t>
+                </a:r>
+                <a:r>
+                  <a:rPr lang="de-DE" dirty="0"/>
+                  <a:t>: </a:t>
+                </a:r>
+                <a14:m>
+                  <m:oMath xmlns:m="http://schemas.openxmlformats.org/officeDocument/2006/math">
+                    <m:r>
+                      <a:rPr lang="de-DE" i="1">
+                        <a:latin typeface="Cambria Math" panose="02040503050406030204" pitchFamily="18" charset="0"/>
+                      </a:rPr>
+                      <m:t>𝑌</m:t>
+                    </m:r>
+                    <m:r>
+                      <a:rPr lang="de-DE" i="1">
+                        <a:latin typeface="Cambria Math" panose="02040503050406030204" pitchFamily="18" charset="0"/>
+                      </a:rPr>
+                      <m:t>∈</m:t>
+                    </m:r>
+                    <m:sSup>
+                      <m:sSupPr>
+                        <m:ctrlPr>
+                          <a:rPr lang="de-DE" i="1">
+                            <a:latin typeface="Cambria Math" panose="02040503050406030204" pitchFamily="18" charset="0"/>
+                            <a:ea typeface="Cambria Math" panose="02040503050406030204" pitchFamily="18" charset="0"/>
+                          </a:rPr>
+                        </m:ctrlPr>
+                      </m:sSupPr>
+                      <m:e>
+                        <m:r>
+                          <a:rPr lang="de-DE" i="1">
+                            <a:latin typeface="Cambria Math" panose="02040503050406030204" pitchFamily="18" charset="0"/>
+                            <a:ea typeface="Cambria Math" panose="02040503050406030204" pitchFamily="18" charset="0"/>
+                          </a:rPr>
+                          <m:t>ℝ</m:t>
+                        </m:r>
+                      </m:e>
+                      <m:sup>
+                        <m:r>
+                          <a:rPr lang="de-DE" i="1">
+                            <a:latin typeface="Cambria Math" panose="02040503050406030204" pitchFamily="18" charset="0"/>
+                            <a:ea typeface="Cambria Math" panose="02040503050406030204" pitchFamily="18" charset="0"/>
+                          </a:rPr>
+                          <m:t>28.709</m:t>
+                        </m:r>
+                      </m:sup>
+                    </m:sSup>
+                  </m:oMath>
+                </a14:m>
+                <a:endParaRPr lang="de-DE" dirty="0"/>
+              </a:p>
+              <a:p>
+                <a:pPr marL="342900" indent="-342900">
+                  <a:buFont typeface="Arial" panose="020B0604020202020204" pitchFamily="34" charset="0"/>
+                  <a:buChar char="•"/>
+                </a:pPr>
+                <a:r>
+                  <a:rPr lang="de-DE" dirty="0"/>
+                  <a:t>Find hyperplane </a:t>
+                </a:r>
+                <a:r>
+                  <a:rPr lang="de-DE" dirty="0" err="1"/>
+                  <a:t>to</a:t>
+                </a:r>
+                <a:r>
+                  <a:rPr lang="de-DE" dirty="0"/>
+                  <a:t> </a:t>
+                </a:r>
+                <a:r>
+                  <a:rPr lang="de-DE" dirty="0" err="1"/>
+                  <a:t>seperate</a:t>
+                </a:r>
+                <a:r>
+                  <a:rPr lang="de-DE" dirty="0"/>
+                  <a:t> </a:t>
+                </a:r>
+                <a:r>
+                  <a:rPr lang="de-DE" dirty="0" err="1"/>
+                  <a:t>data</a:t>
+                </a:r>
+                <a:r>
+                  <a:rPr lang="de-DE" dirty="0"/>
+                  <a:t> </a:t>
+                </a:r>
+                <a:br>
+                  <a:rPr lang="de-DE" dirty="0"/>
+                </a:br>
+                <a:r>
+                  <a:rPr lang="de-DE" dirty="0"/>
+                  <a:t>i.e.: </a:t>
+                </a:r>
+                <a14:m>
+                  <m:oMath xmlns:m="http://schemas.openxmlformats.org/officeDocument/2006/math">
+                    <m:func>
+                      <m:funcPr>
+                        <m:ctrlPr>
+                          <a:rPr lang="de-DE" i="1" smtClean="0">
+                            <a:latin typeface="Cambria Math" panose="02040503050406030204" pitchFamily="18" charset="0"/>
+                          </a:rPr>
+                        </m:ctrlPr>
+                      </m:funcPr>
+                      <m:fName>
+                        <m:limLow>
+                          <m:limLowPr>
+                            <m:ctrlPr>
+                              <a:rPr lang="de-DE" i="1" smtClean="0">
+                                <a:latin typeface="Cambria Math" panose="02040503050406030204" pitchFamily="18" charset="0"/>
+                              </a:rPr>
+                            </m:ctrlPr>
+                          </m:limLowPr>
+                          <m:e>
+                            <m:r>
+                              <m:rPr>
+                                <m:sty m:val="p"/>
+                              </m:rPr>
+                              <a:rPr lang="de-DE" i="0" smtClean="0">
+                                <a:latin typeface="Cambria Math" panose="02040503050406030204" pitchFamily="18" charset="0"/>
+                              </a:rPr>
+                              <m:t>min</m:t>
+                            </m:r>
+                          </m:e>
+                          <m:lim>
+                            <m:r>
+                              <a:rPr lang="de-DE" b="0" i="1" smtClean="0">
+                                <a:latin typeface="Cambria Math" panose="02040503050406030204" pitchFamily="18" charset="0"/>
+                              </a:rPr>
+                              <m:t>𝑤</m:t>
+                            </m:r>
+                            <m:r>
+                              <a:rPr lang="de-DE" b="0" i="1" smtClean="0">
+                                <a:latin typeface="Cambria Math" panose="02040503050406030204" pitchFamily="18" charset="0"/>
+                              </a:rPr>
+                              <m:t>, </m:t>
+                            </m:r>
+                            <m:r>
+                              <a:rPr lang="de-DE" b="0" i="1" smtClean="0">
+                                <a:latin typeface="Cambria Math" panose="02040503050406030204" pitchFamily="18" charset="0"/>
+                              </a:rPr>
+                              <m:t>𝑏</m:t>
+                            </m:r>
+                            <m:r>
+                              <a:rPr lang="de-DE" b="0" i="1" smtClean="0">
+                                <a:latin typeface="Cambria Math" panose="02040503050406030204" pitchFamily="18" charset="0"/>
+                              </a:rPr>
+                              <m:t>, </m:t>
+                            </m:r>
+                            <m:r>
+                              <a:rPr lang="de-DE" b="0" i="1" smtClean="0">
+                                <a:latin typeface="Cambria Math" panose="02040503050406030204" pitchFamily="18" charset="0"/>
+                              </a:rPr>
+                              <m:t>𝑠</m:t>
+                            </m:r>
+                          </m:lim>
+                        </m:limLow>
+                      </m:fName>
+                      <m:e>
+                        <m:sSup>
+                          <m:sSupPr>
+                            <m:ctrlPr>
+                              <a:rPr lang="de-DE" i="1" smtClean="0">
+                                <a:latin typeface="Cambria Math" panose="02040503050406030204" pitchFamily="18" charset="0"/>
+                              </a:rPr>
+                            </m:ctrlPr>
+                          </m:sSupPr>
+                          <m:e>
+                            <m:d>
+                              <m:dPr>
+                                <m:begChr m:val="‖"/>
+                                <m:endChr m:val="‖"/>
+                                <m:ctrlPr>
+                                  <a:rPr lang="de-DE" i="1">
+                                    <a:latin typeface="Cambria Math" panose="02040503050406030204" pitchFamily="18" charset="0"/>
+                                  </a:rPr>
+                                </m:ctrlPr>
+                              </m:dPr>
+                              <m:e>
+                                <m:r>
+                                  <a:rPr lang="de-DE" i="1">
+                                    <a:latin typeface="Cambria Math" panose="02040503050406030204" pitchFamily="18" charset="0"/>
+                                  </a:rPr>
+                                  <m:t>𝑤</m:t>
+                                </m:r>
+                              </m:e>
+                            </m:d>
+                          </m:e>
+                          <m:sup>
+                            <m:r>
+                              <a:rPr lang="de-DE" b="0" i="1" smtClean="0">
+                                <a:latin typeface="Cambria Math" panose="02040503050406030204" pitchFamily="18" charset="0"/>
+                              </a:rPr>
+                              <m:t>2</m:t>
+                            </m:r>
+                          </m:sup>
+                        </m:sSup>
+                        <m:r>
+                          <a:rPr lang="de-DE" b="0" i="1" smtClean="0">
+                            <a:latin typeface="Cambria Math" panose="02040503050406030204" pitchFamily="18" charset="0"/>
+                          </a:rPr>
+                          <m:t>+</m:t>
+                        </m:r>
+                        <m:r>
+                          <a:rPr lang="de-DE" b="0" i="1" smtClean="0">
+                            <a:latin typeface="Cambria Math" panose="02040503050406030204" pitchFamily="18" charset="0"/>
+                          </a:rPr>
+                          <m:t>𝐶</m:t>
+                        </m:r>
+                        <m:r>
+                          <a:rPr lang="de-DE" b="0" i="1" smtClean="0">
+                            <a:latin typeface="Cambria Math" panose="02040503050406030204" pitchFamily="18" charset="0"/>
+                          </a:rPr>
+                          <m:t> </m:t>
+                        </m:r>
+                        <m:nary>
+                          <m:naryPr>
+                            <m:chr m:val="∑"/>
+                            <m:ctrlPr>
+                              <a:rPr lang="de-DE" b="0" i="1" smtClean="0">
+                                <a:latin typeface="Cambria Math" panose="02040503050406030204" pitchFamily="18" charset="0"/>
+                              </a:rPr>
+                            </m:ctrlPr>
+                          </m:naryPr>
+                          <m:sub>
+                            <m:r>
+                              <m:rPr>
+                                <m:brk m:alnAt="23"/>
+                              </m:rPr>
+                              <a:rPr lang="de-DE" b="0" i="1" smtClean="0">
+                                <a:latin typeface="Cambria Math" panose="02040503050406030204" pitchFamily="18" charset="0"/>
+                              </a:rPr>
+                              <m:t>𝑖</m:t>
+                            </m:r>
+                            <m:r>
+                              <a:rPr lang="de-DE" b="0" i="1" smtClean="0">
+                                <a:latin typeface="Cambria Math" panose="02040503050406030204" pitchFamily="18" charset="0"/>
+                              </a:rPr>
+                              <m:t>=1</m:t>
+                            </m:r>
+                          </m:sub>
+                          <m:sup>
+                            <m:r>
+                              <a:rPr lang="de-DE" b="0" i="1" smtClean="0">
+                                <a:latin typeface="Cambria Math" panose="02040503050406030204" pitchFamily="18" charset="0"/>
+                              </a:rPr>
+                              <m:t>28.709</m:t>
+                            </m:r>
+                          </m:sup>
+                          <m:e>
+                            <m:sSub>
+                              <m:sSubPr>
+                                <m:ctrlPr>
+                                  <a:rPr lang="de-DE" b="0" i="1" smtClean="0">
+                                    <a:latin typeface="Cambria Math" panose="02040503050406030204" pitchFamily="18" charset="0"/>
+                                  </a:rPr>
+                                </m:ctrlPr>
+                              </m:sSubPr>
+                              <m:e>
+                                <m:r>
+                                  <a:rPr lang="de-DE" b="0" i="1" smtClean="0">
+                                    <a:latin typeface="Cambria Math" panose="02040503050406030204" pitchFamily="18" charset="0"/>
+                                  </a:rPr>
+                                  <m:t>𝑠</m:t>
+                                </m:r>
+                              </m:e>
+                              <m:sub>
+                                <m:r>
+                                  <a:rPr lang="de-DE" b="0" i="1" smtClean="0">
+                                    <a:latin typeface="Cambria Math" panose="02040503050406030204" pitchFamily="18" charset="0"/>
+                                  </a:rPr>
+                                  <m:t>𝑖</m:t>
+                                </m:r>
+                              </m:sub>
+                            </m:sSub>
+                          </m:e>
+                        </m:nary>
+                      </m:e>
+                    </m:func>
+                  </m:oMath>
+                </a14:m>
+                <a:r>
+                  <a:rPr lang="de-DE" dirty="0"/>
+                  <a:t>,</a:t>
+                </a:r>
+                <a:br>
+                  <a:rPr lang="de-DE" dirty="0"/>
+                </a:br>
+                <a:r>
+                  <a:rPr lang="de-DE" dirty="0"/>
+                  <a:t>s.t.: </a:t>
+                </a:r>
+                <a14:m>
+                  <m:oMath xmlns:m="http://schemas.openxmlformats.org/officeDocument/2006/math">
+                    <m:sSub>
+                      <m:sSubPr>
+                        <m:ctrlPr>
+                          <a:rPr lang="de-DE" i="1" smtClean="0">
+                            <a:latin typeface="Cambria Math" panose="02040503050406030204" pitchFamily="18" charset="0"/>
+                          </a:rPr>
+                        </m:ctrlPr>
+                      </m:sSubPr>
+                      <m:e>
+                        <m:r>
+                          <a:rPr lang="de-DE" b="0" i="1" smtClean="0">
+                            <a:latin typeface="Cambria Math" panose="02040503050406030204" pitchFamily="18" charset="0"/>
+                          </a:rPr>
+                          <m:t>𝑦</m:t>
+                        </m:r>
+                      </m:e>
+                      <m:sub>
+                        <m:r>
+                          <a:rPr lang="de-DE" b="0" i="1" smtClean="0">
+                            <a:latin typeface="Cambria Math" panose="02040503050406030204" pitchFamily="18" charset="0"/>
+                          </a:rPr>
+                          <m:t>𝑖</m:t>
+                        </m:r>
+                      </m:sub>
+                    </m:sSub>
+                    <m:d>
+                      <m:dPr>
+                        <m:ctrlPr>
+                          <a:rPr lang="de-DE" b="0" i="1" smtClean="0">
+                            <a:latin typeface="Cambria Math" panose="02040503050406030204" pitchFamily="18" charset="0"/>
+                          </a:rPr>
+                        </m:ctrlPr>
+                      </m:dPr>
+                      <m:e>
+                        <m:sSup>
+                          <m:sSupPr>
+                            <m:ctrlPr>
+                              <a:rPr lang="de-DE" b="0" i="1" smtClean="0">
+                                <a:latin typeface="Cambria Math" panose="02040503050406030204" pitchFamily="18" charset="0"/>
+                              </a:rPr>
+                            </m:ctrlPr>
+                          </m:sSupPr>
+                          <m:e>
+                            <m:r>
+                              <a:rPr lang="de-DE" b="0" i="1" smtClean="0">
+                                <a:latin typeface="Cambria Math" panose="02040503050406030204" pitchFamily="18" charset="0"/>
+                              </a:rPr>
+                              <m:t>𝑤</m:t>
+                            </m:r>
+                          </m:e>
+                          <m:sup>
+                            <m:r>
+                              <a:rPr lang="de-DE" b="0" i="1" smtClean="0">
+                                <a:latin typeface="Cambria Math" panose="02040503050406030204" pitchFamily="18" charset="0"/>
+                              </a:rPr>
+                              <m:t>𝑇</m:t>
+                            </m:r>
+                          </m:sup>
+                        </m:sSup>
+                        <m:sSub>
+                          <m:sSubPr>
+                            <m:ctrlPr>
+                              <a:rPr lang="de-DE" b="0" i="1" smtClean="0">
+                                <a:latin typeface="Cambria Math" panose="02040503050406030204" pitchFamily="18" charset="0"/>
+                              </a:rPr>
+                            </m:ctrlPr>
+                          </m:sSubPr>
+                          <m:e>
+                            <m:r>
+                              <a:rPr lang="de-DE" b="0" i="1" smtClean="0">
+                                <a:latin typeface="Cambria Math" panose="02040503050406030204" pitchFamily="18" charset="0"/>
+                              </a:rPr>
+                              <m:t>𝑥</m:t>
+                            </m:r>
+                          </m:e>
+                          <m:sub>
+                            <m:r>
+                              <a:rPr lang="de-DE" b="0" i="1" smtClean="0">
+                                <a:latin typeface="Cambria Math" panose="02040503050406030204" pitchFamily="18" charset="0"/>
+                              </a:rPr>
+                              <m:t>𝑖</m:t>
+                            </m:r>
+                          </m:sub>
+                        </m:sSub>
+                        <m:r>
+                          <a:rPr lang="de-DE" b="0" i="1" smtClean="0">
+                            <a:latin typeface="Cambria Math" panose="02040503050406030204" pitchFamily="18" charset="0"/>
+                          </a:rPr>
+                          <m:t>+</m:t>
+                        </m:r>
+                        <m:r>
+                          <a:rPr lang="de-DE" b="0" i="1" smtClean="0">
+                            <a:latin typeface="Cambria Math" panose="02040503050406030204" pitchFamily="18" charset="0"/>
+                          </a:rPr>
+                          <m:t>𝑏</m:t>
+                        </m:r>
+                      </m:e>
+                    </m:d>
+                    <m:r>
+                      <a:rPr lang="de-DE" b="0" i="1" smtClean="0">
+                        <a:latin typeface="Cambria Math" panose="02040503050406030204" pitchFamily="18" charset="0"/>
+                      </a:rPr>
+                      <m:t>≥1−</m:t>
+                    </m:r>
+                    <m:sSub>
+                      <m:sSubPr>
+                        <m:ctrlPr>
+                          <a:rPr lang="de-DE" b="0" i="1" smtClean="0">
+                            <a:latin typeface="Cambria Math" panose="02040503050406030204" pitchFamily="18" charset="0"/>
+                          </a:rPr>
+                        </m:ctrlPr>
+                      </m:sSubPr>
+                      <m:e>
+                        <m:r>
+                          <a:rPr lang="de-DE" b="0" i="1" smtClean="0">
+                            <a:latin typeface="Cambria Math" panose="02040503050406030204" pitchFamily="18" charset="0"/>
+                          </a:rPr>
+                          <m:t>𝑠</m:t>
+                        </m:r>
+                      </m:e>
+                      <m:sub>
+                        <m:r>
+                          <a:rPr lang="de-DE" b="0" i="1" smtClean="0">
+                            <a:latin typeface="Cambria Math" panose="02040503050406030204" pitchFamily="18" charset="0"/>
+                          </a:rPr>
+                          <m:t>𝑖</m:t>
+                        </m:r>
+                      </m:sub>
+                    </m:sSub>
+                  </m:oMath>
+                </a14:m>
+                <a:r>
+                  <a:rPr lang="de-DE" dirty="0"/>
+                  <a:t> </a:t>
+                </a:r>
+                <a:r>
+                  <a:rPr lang="de-DE" dirty="0" err="1"/>
+                  <a:t>and</a:t>
+                </a:r>
+                <a:r>
+                  <a:rPr lang="de-DE" dirty="0"/>
+                  <a:t> </a:t>
+                </a:r>
+                <a14:m>
+                  <m:oMath xmlns:m="http://schemas.openxmlformats.org/officeDocument/2006/math">
+                    <m:sSub>
+                      <m:sSubPr>
+                        <m:ctrlPr>
+                          <a:rPr lang="de-DE" b="0" i="1" smtClean="0">
+                            <a:latin typeface="Cambria Math" panose="02040503050406030204" pitchFamily="18" charset="0"/>
+                          </a:rPr>
+                        </m:ctrlPr>
+                      </m:sSubPr>
+                      <m:e>
+                        <m:r>
+                          <a:rPr lang="de-DE" b="0" i="1" smtClean="0">
+                            <a:latin typeface="Cambria Math" panose="02040503050406030204" pitchFamily="18" charset="0"/>
+                          </a:rPr>
+                          <m:t>𝑠</m:t>
+                        </m:r>
+                      </m:e>
+                      <m:sub>
+                        <m:r>
+                          <a:rPr lang="de-DE" b="0" i="1" smtClean="0">
+                            <a:latin typeface="Cambria Math" panose="02040503050406030204" pitchFamily="18" charset="0"/>
+                          </a:rPr>
+                          <m:t>𝑖</m:t>
+                        </m:r>
+                      </m:sub>
+                    </m:sSub>
+                    <m:r>
+                      <a:rPr lang="de-DE" b="0" i="1" smtClean="0">
+                        <a:latin typeface="Cambria Math" panose="02040503050406030204" pitchFamily="18" charset="0"/>
+                      </a:rPr>
+                      <m:t>≥0</m:t>
+                    </m:r>
+                  </m:oMath>
+                </a14:m>
+                <a:endParaRPr lang="de-DE" dirty="0"/>
+              </a:p>
+              <a:p>
+                <a:pPr marL="342900" indent="-342900">
+                  <a:buFont typeface="Arial" panose="020B0604020202020204" pitchFamily="34" charset="0"/>
+                  <a:buChar char="•"/>
+                </a:pPr>
+                <a:r>
+                  <a:rPr lang="de-DE" dirty="0"/>
+                  <a:t>„</a:t>
+                </a:r>
+                <a:r>
+                  <a:rPr lang="de-DE" dirty="0" err="1"/>
+                  <a:t>One-vs-one</a:t>
+                </a:r>
+                <a:r>
+                  <a:rPr lang="de-DE" dirty="0"/>
+                  <a:t>“ </a:t>
+                </a:r>
+                <a:r>
+                  <a:rPr lang="de-DE" dirty="0" err="1"/>
+                  <a:t>multiclass</a:t>
+                </a:r>
+                <a:r>
+                  <a:rPr lang="de-DE" dirty="0"/>
+                  <a:t> </a:t>
+                </a:r>
+                <a:r>
+                  <a:rPr lang="de-DE" dirty="0" err="1"/>
+                  <a:t>classification</a:t>
+                </a:r>
+                <a:endParaRPr lang="de-DE" dirty="0"/>
+              </a:p>
+              <a:p>
+                <a:pPr marL="342900" indent="-342900">
+                  <a:buFont typeface="Arial" panose="020B0604020202020204" pitchFamily="34" charset="0"/>
+                  <a:buChar char="•"/>
+                </a:pPr>
+                <a:r>
+                  <a:rPr lang="de-DE" dirty="0"/>
+                  <a:t>Dual </a:t>
+                </a:r>
+                <a:r>
+                  <a:rPr lang="de-DE" dirty="0" err="1"/>
+                  <a:t>problem</a:t>
+                </a:r>
+                <a:r>
+                  <a:rPr lang="de-DE" dirty="0"/>
+                  <a:t> </a:t>
+                </a:r>
+                <a:r>
+                  <a:rPr lang="de-DE" dirty="0" err="1"/>
+                  <a:t>allows</a:t>
+                </a:r>
+                <a:r>
+                  <a:rPr lang="de-DE" dirty="0"/>
+                  <a:t> </a:t>
+                </a:r>
+                <a:r>
+                  <a:rPr lang="de-DE" dirty="0" err="1"/>
+                  <a:t>for</a:t>
+                </a:r>
+                <a:r>
+                  <a:rPr lang="de-DE" dirty="0"/>
+                  <a:t> </a:t>
+                </a:r>
+                <a:r>
+                  <a:rPr lang="de-DE" dirty="0" err="1"/>
+                  <a:t>kernel</a:t>
+                </a:r>
+                <a:r>
+                  <a:rPr lang="de-DE" dirty="0"/>
+                  <a:t> </a:t>
+                </a:r>
+                <a:r>
+                  <a:rPr lang="de-DE" dirty="0" err="1"/>
+                  <a:t>trick</a:t>
+                </a:r>
+                <a:endParaRPr lang="de-DE" dirty="0"/>
+              </a:p>
+              <a:p>
+                <a:pPr marL="342900" indent="-342900">
+                  <a:buFont typeface="Arial" panose="020B0604020202020204" pitchFamily="34" charset="0"/>
+                  <a:buChar char="•"/>
+                </a:pPr>
+                <a:endParaRPr lang="de-DE" dirty="0"/>
+              </a:p>
+            </p:txBody>
+          </p:sp>
+        </mc:Choice>
+        <mc:Fallback>
+          <p:sp>
+            <p:nvSpPr>
+              <p:cNvPr id="3" name="Textplatzhalter 2">
+                <a:extLst>
+                  <a:ext uri="{FF2B5EF4-FFF2-40B4-BE49-F238E27FC236}">
+                    <a16:creationId xmlns:a16="http://schemas.microsoft.com/office/drawing/2014/main" id="{BDA74449-E3C1-4894-9086-9C8AD40FDE72}"/>
+                  </a:ext>
+                </a:extLst>
+              </p:cNvPr>
+              <p:cNvSpPr>
+                <a:spLocks noGrp="1" noRot="1" noChangeAspect="1" noMove="1" noResize="1" noEditPoints="1" noAdjustHandles="1" noChangeArrowheads="1" noChangeShapeType="1" noTextEdit="1"/>
+              </p:cNvSpPr>
+              <p:nvPr>
+                <p:ph type="body" sz="quarter" idx="14"/>
+              </p:nvPr>
+            </p:nvSpPr>
+            <p:spPr>
+              <a:blipFill>
+                <a:blip r:embed="rId2"/>
+                <a:stretch>
+                  <a:fillRect l="-594"/>
+                </a:stretch>
+              </a:blipFill>
+            </p:spPr>
+            <p:txBody>
+              <a:bodyPr/>
+              <a:lstStyle/>
+              <a:p>
+                <a:r>
+                  <a:rPr lang="de-DE">
+                    <a:noFill/>
+                  </a:rPr>
+                  <a:t> </a:t>
+                </a:r>
+              </a:p>
+            </p:txBody>
+          </p:sp>
+        </mc:Fallback>
+      </mc:AlternateContent>
       <p:sp>
         <p:nvSpPr>
           <p:cNvPr id="4" name="Datumsplatzhalter 3">
             <a:extLst>
               <a:ext uri="{FF2B5EF4-FFF2-40B4-BE49-F238E27FC236}">
-                <a16:creationId xmlns:a16="http://schemas.microsoft.com/office/drawing/2014/main" id="{770259AA-0189-0349-8ABF-373BA72E7809}"/>
+                <a16:creationId xmlns:a16="http://schemas.microsoft.com/office/drawing/2014/main" id="{17B4E98B-30AD-49D1-91AC-5AD245D9C49E}"/>
               </a:ext>
             </a:extLst>
           </p:cNvPr>
@@ -4748,7 +5575,7 @@
           <a:p>
             <a:fld id="{09D069C5-CC22-4E88-BB35-FA27CD7EA121}" type="datetime1">
               <a:rPr lang="de-DE" smtClean="0"/>
-              <a:t>07.07.20</a:t>
+              <a:t>09.07.20</a:t>
             </a:fld>
             <a:endParaRPr lang="de-DE" dirty="0"/>
           </a:p>
@@ -4759,7 +5586,7 @@
           <p:cNvPr id="5" name="Fußzeilenplatzhalter 4">
             <a:extLst>
               <a:ext uri="{FF2B5EF4-FFF2-40B4-BE49-F238E27FC236}">
-                <a16:creationId xmlns:a16="http://schemas.microsoft.com/office/drawing/2014/main" id="{E2AC8CB6-55FE-6D40-BBB0-5618A9C660B2}"/>
+                <a16:creationId xmlns:a16="http://schemas.microsoft.com/office/drawing/2014/main" id="{6866D9C7-EB32-4BF1-93BB-7BEB5EB8B380}"/>
               </a:ext>
             </a:extLst>
           </p:cNvPr>
@@ -4788,7 +5615,7 @@
           <p:cNvPr id="6" name="Foliennummernplatzhalter 5">
             <a:extLst>
               <a:ext uri="{FF2B5EF4-FFF2-40B4-BE49-F238E27FC236}">
-                <a16:creationId xmlns:a16="http://schemas.microsoft.com/office/drawing/2014/main" id="{0906A29D-3ED7-894B-A535-74FB1EB40364}"/>
+                <a16:creationId xmlns:a16="http://schemas.microsoft.com/office/drawing/2014/main" id="{32488A70-7BBC-496E-BFEC-9017CABA6593}"/>
               </a:ext>
             </a:extLst>
           </p:cNvPr>
@@ -4812,42 +5639,12 @@
           </a:p>
         </p:txBody>
       </p:sp>
-      <p:pic>
-        <p:nvPicPr>
-          <p:cNvPr id="8" name="Grafik 7" descr="Ein Bild, das Text, Quittung enthält.&#10;&#10;Automatisch generierte Beschreibung">
+      <p:sp>
+        <p:nvSpPr>
+          <p:cNvPr id="7" name="Ellipse 6">
             <a:extLst>
               <a:ext uri="{FF2B5EF4-FFF2-40B4-BE49-F238E27FC236}">
-                <a16:creationId xmlns:a16="http://schemas.microsoft.com/office/drawing/2014/main" id="{A0572FD3-58BB-5B4B-B682-9677B85DE1FA}"/>
-              </a:ext>
-            </a:extLst>
-          </p:cNvPr>
-          <p:cNvPicPr>
-            <a:picLocks noChangeAspect="1"/>
-          </p:cNvPicPr>
-          <p:nvPr/>
-        </p:nvPicPr>
-        <p:blipFill>
-          <a:blip r:embed="rId2"/>
-          <a:stretch>
-            <a:fillRect/>
-          </a:stretch>
-        </p:blipFill>
-        <p:spPr>
-          <a:xfrm>
-            <a:off x="5724128" y="1621185"/>
-            <a:ext cx="3292111" cy="3065441"/>
-          </a:xfrm>
-          <a:prstGeom prst="rect">
-            <a:avLst/>
-          </a:prstGeom>
-        </p:spPr>
-      </p:pic>
-      <p:sp>
-        <p:nvSpPr>
-          <p:cNvPr id="9" name="Oval 8">
-            <a:extLst>
-              <a:ext uri="{FF2B5EF4-FFF2-40B4-BE49-F238E27FC236}">
-                <a16:creationId xmlns:a16="http://schemas.microsoft.com/office/drawing/2014/main" id="{A92870D6-EF3C-AB47-B421-33E8EDF2BDEE}"/>
+                <a16:creationId xmlns:a16="http://schemas.microsoft.com/office/drawing/2014/main" id="{D18DA7AD-1BE1-4A3F-9B1F-A0C64CBB8D42}"/>
               </a:ext>
             </a:extLst>
           </p:cNvPr>
@@ -4856,18 +5653,19 @@
         </p:nvSpPr>
         <p:spPr>
           <a:xfrm>
-            <a:off x="5724128" y="1739989"/>
-            <a:ext cx="2304256" cy="216024"/>
+            <a:off x="7506000" y="660839"/>
+            <a:ext cx="79209" cy="79209"/>
           </a:xfrm>
           <a:prstGeom prst="ellipse">
             <a:avLst/>
           </a:prstGeom>
-          <a:noFill/>
+          <a:solidFill>
+            <a:srgbClr val="FF0000"/>
+          </a:solidFill>
           <a:ln>
-            <a:solidFill>
-              <a:srgbClr val="FF0000"/>
-            </a:solidFill>
+            <a:noFill/>
           </a:ln>
+          <a:effectLst/>
         </p:spPr>
         <p:style>
           <a:lnRef idx="1">
@@ -4892,10 +5690,87 @@
           </a:p>
         </p:txBody>
       </p:sp>
+      <p:pic>
+        <p:nvPicPr>
+          <p:cNvPr id="9" name="Grafik 8">
+            <a:extLst>
+              <a:ext uri="{FF2B5EF4-FFF2-40B4-BE49-F238E27FC236}">
+                <a16:creationId xmlns:a16="http://schemas.microsoft.com/office/drawing/2014/main" id="{52397B07-2EA9-7E48-B80B-8D2D2AA53C0C}"/>
+              </a:ext>
+            </a:extLst>
+          </p:cNvPr>
+          <p:cNvPicPr>
+            <a:picLocks noChangeAspect="1"/>
+          </p:cNvPicPr>
+          <p:nvPr/>
+        </p:nvPicPr>
+        <p:blipFill>
+          <a:blip r:embed="rId3"/>
+          <a:stretch>
+            <a:fillRect/>
+          </a:stretch>
+        </p:blipFill>
+        <p:spPr>
+          <a:xfrm>
+            <a:off x="5616624" y="3291830"/>
+            <a:ext cx="3059832" cy="1323378"/>
+          </a:xfrm>
+          <a:prstGeom prst="rect">
+            <a:avLst/>
+          </a:prstGeom>
+        </p:spPr>
+      </p:pic>
+      <p:pic>
+        <p:nvPicPr>
+          <p:cNvPr id="1025" name="Picture 1" descr="page2image3362775968">
+            <a:extLst>
+              <a:ext uri="{FF2B5EF4-FFF2-40B4-BE49-F238E27FC236}">
+                <a16:creationId xmlns:a16="http://schemas.microsoft.com/office/drawing/2014/main" id="{CD934611-717F-494F-B47C-BBFDFAB932C8}"/>
+              </a:ext>
+            </a:extLst>
+          </p:cNvPr>
+          <p:cNvPicPr>
+            <a:picLocks noChangeAspect="1" noChangeArrowheads="1"/>
+          </p:cNvPicPr>
+          <p:nvPr/>
+        </p:nvPicPr>
+        <p:blipFill>
+          <a:blip r:embed="rId4">
+            <a:extLst>
+              <a:ext uri="{28A0092B-C50C-407E-A947-70E740481C1C}">
+                <a14:useLocalDpi xmlns:a14="http://schemas.microsoft.com/office/drawing/2010/main" val="0"/>
+              </a:ext>
+            </a:extLst>
+          </a:blip>
+          <a:srcRect/>
+          <a:stretch>
+            <a:fillRect/>
+          </a:stretch>
+        </p:blipFill>
+        <p:spPr bwMode="auto">
+          <a:xfrm>
+            <a:off x="5616624" y="1600373"/>
+            <a:ext cx="2537186" cy="1691457"/>
+          </a:xfrm>
+          <a:prstGeom prst="rect">
+            <a:avLst/>
+          </a:prstGeom>
+          <a:noFill/>
+          <a:extLst>
+            <a:ext uri="{909E8E84-426E-40DD-AFC4-6F175D3DCCD1}">
+              <a14:hiddenFill xmlns:a14="http://schemas.microsoft.com/office/drawing/2010/main">
+                <a:solidFill>
+                  <a:srgbClr val="FFFFFF"/>
+                </a:solidFill>
+              </a14:hiddenFill>
+            </a:ext>
+          </a:extLst>
+        </p:spPr>
+      </p:pic>
     </p:spTree>
     <p:extLst>
       <p:ext uri="{BB962C8B-B14F-4D97-AF65-F5344CB8AC3E}">
-        <p14:creationId xmlns:p14="http://schemas.microsoft.com/office/powerpoint/2010/main" val="942184566"/>
+        <p14:creationId xmlns:p14="http://schemas.microsoft.com/office/powerpoint/2010/main" val="685174305"/>
       </p:ext>
     </p:extLst>
   </p:cSld>
@@ -4927,6 +5802,543 @@
           <p:cNvPr id="2" name="Textplatzhalter 1">
             <a:extLst>
               <a:ext uri="{FF2B5EF4-FFF2-40B4-BE49-F238E27FC236}">
+                <a16:creationId xmlns:a16="http://schemas.microsoft.com/office/drawing/2014/main" id="{E82EFE12-FF2B-244C-8CF6-84A47EB70F4A}"/>
+              </a:ext>
+            </a:extLst>
+          </p:cNvPr>
+          <p:cNvSpPr>
+            <a:spLocks noGrp="1"/>
+          </p:cNvSpPr>
+          <p:nvPr>
+            <p:ph type="body" sz="quarter" idx="13"/>
+          </p:nvPr>
+        </p:nvSpPr>
+        <p:spPr/>
+        <p:txBody>
+          <a:bodyPr/>
+          <a:lstStyle/>
+          <a:p>
+            <a:pPr algn="ctr"/>
+            <a:r>
+              <a:rPr lang="de-DE" dirty="0"/>
+              <a:t>SVM – Parameter Choice</a:t>
+            </a:r>
+          </a:p>
+        </p:txBody>
+      </p:sp>
+      <mc:AlternateContent xmlns:mc="http://schemas.openxmlformats.org/markup-compatibility/2006">
+        <mc:Choice xmlns:a14="http://schemas.microsoft.com/office/drawing/2010/main" Requires="a14">
+          <p:sp>
+            <p:nvSpPr>
+              <p:cNvPr id="3" name="Textplatzhalter 2">
+                <a:extLst>
+                  <a:ext uri="{FF2B5EF4-FFF2-40B4-BE49-F238E27FC236}">
+                    <a16:creationId xmlns:a16="http://schemas.microsoft.com/office/drawing/2014/main" id="{3AF51079-7F28-B34A-980D-FA0837D664AD}"/>
+                  </a:ext>
+                </a:extLst>
+              </p:cNvPr>
+              <p:cNvSpPr>
+                <a:spLocks noGrp="1"/>
+              </p:cNvSpPr>
+              <p:nvPr>
+                <p:ph type="body" sz="quarter" idx="14"/>
+              </p:nvPr>
+            </p:nvSpPr>
+            <p:spPr/>
+            <p:txBody>
+              <a:bodyPr>
+                <a:normAutofit/>
+              </a:bodyPr>
+              <a:lstStyle/>
+              <a:p>
+                <a:pPr marL="342900" indent="-342900">
+                  <a:buFont typeface="Arial" panose="020B0604020202020204" pitchFamily="34" charset="0"/>
+                  <a:buChar char="•"/>
+                </a:pPr>
+                <a:r>
+                  <a:rPr lang="de-DE" dirty="0" err="1">
+                    <a:solidFill>
+                      <a:srgbClr val="009C00"/>
+                    </a:solidFill>
+                  </a:rPr>
+                  <a:t>import</a:t>
+                </a:r>
+                <a:r>
+                  <a:rPr lang="de-DE" dirty="0"/>
+                  <a:t> </a:t>
+                </a:r>
+                <a:r>
+                  <a:rPr lang="de-DE" dirty="0" err="1"/>
+                  <a:t>Scikit-learn</a:t>
+                </a:r>
+                <a:endParaRPr lang="de-DE" dirty="0"/>
+              </a:p>
+              <a:p>
+                <a:pPr marL="342900" indent="-342900">
+                  <a:buFont typeface="Arial" panose="020B0604020202020204" pitchFamily="34" charset="0"/>
+                  <a:buChar char="•"/>
+                </a:pPr>
+                <a:r>
+                  <a:rPr lang="de-DE" dirty="0" err="1"/>
+                  <a:t>Grid</a:t>
+                </a:r>
+                <a:r>
+                  <a:rPr lang="de-DE" dirty="0"/>
+                  <a:t> </a:t>
+                </a:r>
+                <a:r>
+                  <a:rPr lang="de-DE" dirty="0" err="1"/>
+                  <a:t>search</a:t>
+                </a:r>
+                <a:endParaRPr lang="de-DE" dirty="0"/>
+              </a:p>
+              <a:p>
+                <a:pPr marL="342900" indent="-342900">
+                  <a:buFont typeface="Arial" panose="020B0604020202020204" pitchFamily="34" charset="0"/>
+                  <a:buChar char="•"/>
+                </a:pPr>
+                <a:r>
+                  <a:rPr lang="de-DE" dirty="0"/>
+                  <a:t>Cross-validation</a:t>
+                </a:r>
+              </a:p>
+              <a:p>
+                <a:pPr marL="342900" indent="-342900">
+                  <a:buFont typeface="Arial" panose="020B0604020202020204" pitchFamily="34" charset="0"/>
+                  <a:buChar char="•"/>
+                </a:pPr>
+                <a:r>
+                  <a:rPr lang="de-DE" dirty="0"/>
+                  <a:t>Best </a:t>
+                </a:r>
+                <a:r>
+                  <a:rPr lang="de-DE" dirty="0" err="1"/>
+                  <a:t>parameter</a:t>
+                </a:r>
+                <a:r>
+                  <a:rPr lang="de-DE" dirty="0"/>
+                  <a:t> </a:t>
+                </a:r>
+                <a:r>
+                  <a:rPr lang="de-DE" dirty="0" err="1"/>
+                  <a:t>choice</a:t>
+                </a:r>
+                <a:r>
+                  <a:rPr lang="de-DE" dirty="0"/>
+                  <a:t>:</a:t>
+                </a:r>
+                <a:br>
+                  <a:rPr lang="de-DE" dirty="0"/>
+                </a:br>
+                <a:r>
+                  <a:rPr lang="de-DE" dirty="0"/>
+                  <a:t>Kernel = </a:t>
+                </a:r>
+                <a14:m>
+                  <m:oMath xmlns:m="http://schemas.openxmlformats.org/officeDocument/2006/math">
+                    <m:r>
+                      <m:rPr>
+                        <m:sty m:val="p"/>
+                      </m:rPr>
+                      <a:rPr lang="de-DE" b="0" i="0" smtClean="0">
+                        <a:solidFill>
+                          <a:srgbClr val="FF0000"/>
+                        </a:solidFill>
+                        <a:latin typeface="Cambria Math" panose="02040503050406030204" pitchFamily="18" charset="0"/>
+                      </a:rPr>
+                      <m:t>exp</m:t>
+                    </m:r>
+                    <m:r>
+                      <a:rPr lang="de-DE" b="0" i="1" smtClean="0">
+                        <a:solidFill>
+                          <a:srgbClr val="FF0000"/>
+                        </a:solidFill>
+                        <a:latin typeface="Cambria Math" panose="02040503050406030204" pitchFamily="18" charset="0"/>
+                      </a:rPr>
+                      <m:t>⁡(−</m:t>
+                    </m:r>
+                    <m:r>
+                      <a:rPr lang="de-DE" b="0" i="1" smtClean="0">
+                        <a:solidFill>
+                          <a:srgbClr val="FF0000"/>
+                        </a:solidFill>
+                        <a:latin typeface="Cambria Math" panose="02040503050406030204" pitchFamily="18" charset="0"/>
+                      </a:rPr>
+                      <m:t>𝛾</m:t>
+                    </m:r>
+                    <m:sSup>
+                      <m:sSupPr>
+                        <m:ctrlPr>
+                          <a:rPr lang="de-DE" b="0" i="1" smtClean="0">
+                            <a:solidFill>
+                              <a:srgbClr val="FF0000"/>
+                            </a:solidFill>
+                            <a:latin typeface="Cambria Math" panose="02040503050406030204" pitchFamily="18" charset="0"/>
+                          </a:rPr>
+                        </m:ctrlPr>
+                      </m:sSupPr>
+                      <m:e>
+                        <m:d>
+                          <m:dPr>
+                            <m:begChr m:val="‖"/>
+                            <m:endChr m:val="‖"/>
+                            <m:ctrlPr>
+                              <a:rPr lang="de-DE" i="1">
+                                <a:solidFill>
+                                  <a:srgbClr val="FF0000"/>
+                                </a:solidFill>
+                                <a:latin typeface="Cambria Math" panose="02040503050406030204" pitchFamily="18" charset="0"/>
+                              </a:rPr>
+                            </m:ctrlPr>
+                          </m:dPr>
+                          <m:e>
+                            <m:r>
+                              <a:rPr lang="de-DE" i="1">
+                                <a:solidFill>
+                                  <a:srgbClr val="FF0000"/>
+                                </a:solidFill>
+                                <a:latin typeface="Cambria Math" panose="02040503050406030204" pitchFamily="18" charset="0"/>
+                              </a:rPr>
+                              <m:t>𝑥</m:t>
+                            </m:r>
+                            <m:r>
+                              <a:rPr lang="de-DE" i="1">
+                                <a:solidFill>
+                                  <a:srgbClr val="FF0000"/>
+                                </a:solidFill>
+                                <a:latin typeface="Cambria Math" panose="02040503050406030204" pitchFamily="18" charset="0"/>
+                              </a:rPr>
+                              <m:t>−</m:t>
+                            </m:r>
+                            <m:r>
+                              <a:rPr lang="de-DE" i="1">
+                                <a:solidFill>
+                                  <a:srgbClr val="FF0000"/>
+                                </a:solidFill>
+                                <a:latin typeface="Cambria Math" panose="02040503050406030204" pitchFamily="18" charset="0"/>
+                              </a:rPr>
+                              <m:t>𝑦</m:t>
+                            </m:r>
+                          </m:e>
+                        </m:d>
+                      </m:e>
+                      <m:sup>
+                        <m:r>
+                          <a:rPr lang="de-DE" b="0" i="1" smtClean="0">
+                            <a:solidFill>
+                              <a:srgbClr val="FF0000"/>
+                            </a:solidFill>
+                            <a:latin typeface="Cambria Math" panose="02040503050406030204" pitchFamily="18" charset="0"/>
+                          </a:rPr>
+                          <m:t>2</m:t>
+                        </m:r>
+                      </m:sup>
+                    </m:sSup>
+                    <m:r>
+                      <a:rPr lang="de-DE" b="0" i="1" smtClean="0">
+                        <a:solidFill>
+                          <a:srgbClr val="FF0000"/>
+                        </a:solidFill>
+                        <a:latin typeface="Cambria Math" panose="02040503050406030204" pitchFamily="18" charset="0"/>
+                      </a:rPr>
+                      <m:t>)</m:t>
+                    </m:r>
+                  </m:oMath>
+                </a14:m>
+                <a:br>
+                  <a:rPr lang="de-DE" dirty="0">
+                    <a:solidFill>
+                      <a:srgbClr val="FF0000"/>
+                    </a:solidFill>
+                  </a:rPr>
+                </a:br>
+                <a14:m>
+                  <m:oMath xmlns:m="http://schemas.openxmlformats.org/officeDocument/2006/math">
+                    <m:r>
+                      <a:rPr lang="de-DE" i="1" dirty="0" smtClean="0">
+                        <a:latin typeface="Cambria Math" panose="02040503050406030204" pitchFamily="18" charset="0"/>
+                      </a:rPr>
+                      <m:t>𝐶</m:t>
+                    </m:r>
+                  </m:oMath>
+                </a14:m>
+                <a:r>
+                  <a:rPr lang="de-DE" dirty="0"/>
+                  <a:t> = 10, </a:t>
+                </a:r>
+                <a:br>
+                  <a:rPr lang="de-DE" dirty="0"/>
+                </a:br>
+                <a14:m>
+                  <m:oMath xmlns:m="http://schemas.openxmlformats.org/officeDocument/2006/math">
+                    <m:r>
+                      <a:rPr lang="de-DE" b="0" i="1" dirty="0" smtClean="0">
+                        <a:latin typeface="Cambria Math" panose="02040503050406030204" pitchFamily="18" charset="0"/>
+                      </a:rPr>
+                      <m:t>𝛾</m:t>
+                    </m:r>
+                  </m:oMath>
+                </a14:m>
+                <a:r>
+                  <a:rPr lang="de-DE" dirty="0"/>
+                  <a:t> = 0.0001</a:t>
+                </a:r>
+              </a:p>
+              <a:p>
+                <a:pPr marL="342900" indent="-342900">
+                  <a:buFont typeface="Arial" panose="020B0604020202020204" pitchFamily="34" charset="0"/>
+                  <a:buChar char="•"/>
+                </a:pPr>
+                <a:endParaRPr lang="de-DE" dirty="0"/>
+              </a:p>
+              <a:p>
+                <a:endParaRPr lang="de-DE" dirty="0"/>
+              </a:p>
+            </p:txBody>
+          </p:sp>
+        </mc:Choice>
+        <mc:Fallback>
+          <p:sp>
+            <p:nvSpPr>
+              <p:cNvPr id="3" name="Textplatzhalter 2">
+                <a:extLst>
+                  <a:ext uri="{FF2B5EF4-FFF2-40B4-BE49-F238E27FC236}">
+                    <a16:creationId xmlns:a16="http://schemas.microsoft.com/office/drawing/2014/main" id="{3AF51079-7F28-B34A-980D-FA0837D664AD}"/>
+                  </a:ext>
+                </a:extLst>
+              </p:cNvPr>
+              <p:cNvSpPr>
+                <a:spLocks noGrp="1" noRot="1" noChangeAspect="1" noMove="1" noResize="1" noEditPoints="1" noAdjustHandles="1" noChangeArrowheads="1" noChangeShapeType="1" noTextEdit="1"/>
+              </p:cNvSpPr>
+              <p:nvPr>
+                <p:ph type="body" sz="quarter" idx="14"/>
+              </p:nvPr>
+            </p:nvSpPr>
+            <p:spPr>
+              <a:blipFill>
+                <a:blip r:embed="rId2"/>
+                <a:stretch>
+                  <a:fillRect l="-594" t="-877"/>
+                </a:stretch>
+              </a:blipFill>
+            </p:spPr>
+            <p:txBody>
+              <a:bodyPr/>
+              <a:lstStyle/>
+              <a:p>
+                <a:r>
+                  <a:rPr lang="de-DE">
+                    <a:noFill/>
+                  </a:rPr>
+                  <a:t> </a:t>
+                </a:r>
+              </a:p>
+            </p:txBody>
+          </p:sp>
+        </mc:Fallback>
+      </mc:AlternateContent>
+      <p:sp>
+        <p:nvSpPr>
+          <p:cNvPr id="4" name="Datumsplatzhalter 3">
+            <a:extLst>
+              <a:ext uri="{FF2B5EF4-FFF2-40B4-BE49-F238E27FC236}">
+                <a16:creationId xmlns:a16="http://schemas.microsoft.com/office/drawing/2014/main" id="{770259AA-0189-0349-8ABF-373BA72E7809}"/>
+              </a:ext>
+            </a:extLst>
+          </p:cNvPr>
+          <p:cNvSpPr>
+            <a:spLocks noGrp="1"/>
+          </p:cNvSpPr>
+          <p:nvPr>
+            <p:ph type="dt" sz="half" idx="2"/>
+          </p:nvPr>
+        </p:nvSpPr>
+        <p:spPr/>
+        <p:txBody>
+          <a:bodyPr/>
+          <a:lstStyle/>
+          <a:p>
+            <a:fld id="{09D069C5-CC22-4E88-BB35-FA27CD7EA121}" type="datetime1">
+              <a:rPr lang="de-DE" smtClean="0"/>
+              <a:t>09.07.20</a:t>
+            </a:fld>
+            <a:endParaRPr lang="de-DE" dirty="0"/>
+          </a:p>
+        </p:txBody>
+      </p:sp>
+      <p:sp>
+        <p:nvSpPr>
+          <p:cNvPr id="5" name="Fußzeilenplatzhalter 4">
+            <a:extLst>
+              <a:ext uri="{FF2B5EF4-FFF2-40B4-BE49-F238E27FC236}">
+                <a16:creationId xmlns:a16="http://schemas.microsoft.com/office/drawing/2014/main" id="{E2AC8CB6-55FE-6D40-BBB0-5618A9C660B2}"/>
+              </a:ext>
+            </a:extLst>
+          </p:cNvPr>
+          <p:cNvSpPr>
+            <a:spLocks noGrp="1"/>
+          </p:cNvSpPr>
+          <p:nvPr>
+            <p:ph type="ftr" sz="quarter" idx="3"/>
+          </p:nvPr>
+        </p:nvSpPr>
+        <p:spPr/>
+        <p:txBody>
+          <a:bodyPr/>
+          <a:lstStyle/>
+          <a:p>
+            <a:r>
+              <a:rPr lang="de-DE"/>
+              <a:t>Group 5 - Facial emotion recognition</a:t>
+            </a:r>
+            <a:endParaRPr lang="de-DE" dirty="0"/>
+          </a:p>
+        </p:txBody>
+      </p:sp>
+      <p:sp>
+        <p:nvSpPr>
+          <p:cNvPr id="6" name="Foliennummernplatzhalter 5">
+            <a:extLst>
+              <a:ext uri="{FF2B5EF4-FFF2-40B4-BE49-F238E27FC236}">
+                <a16:creationId xmlns:a16="http://schemas.microsoft.com/office/drawing/2014/main" id="{0906A29D-3ED7-894B-A535-74FB1EB40364}"/>
+              </a:ext>
+            </a:extLst>
+          </p:cNvPr>
+          <p:cNvSpPr>
+            <a:spLocks noGrp="1"/>
+          </p:cNvSpPr>
+          <p:nvPr>
+            <p:ph type="sldNum" sz="quarter" idx="4"/>
+          </p:nvPr>
+        </p:nvSpPr>
+        <p:spPr/>
+        <p:txBody>
+          <a:bodyPr/>
+          <a:lstStyle/>
+          <a:p>
+            <a:fld id="{3E01A2B2-10AD-754B-9B4C-E5B6FED423D0}" type="slidenum">
+              <a:rPr lang="de-DE" smtClean="0"/>
+              <a:t>4</a:t>
+            </a:fld>
+            <a:endParaRPr lang="de-DE"/>
+          </a:p>
+        </p:txBody>
+      </p:sp>
+      <p:pic>
+        <p:nvPicPr>
+          <p:cNvPr id="8" name="Grafik 7" descr="Ein Bild, das Text, Quittung enthält.&#10;&#10;Automatisch generierte Beschreibung">
+            <a:extLst>
+              <a:ext uri="{FF2B5EF4-FFF2-40B4-BE49-F238E27FC236}">
+                <a16:creationId xmlns:a16="http://schemas.microsoft.com/office/drawing/2014/main" id="{A0572FD3-58BB-5B4B-B682-9677B85DE1FA}"/>
+              </a:ext>
+            </a:extLst>
+          </p:cNvPr>
+          <p:cNvPicPr>
+            <a:picLocks noChangeAspect="1"/>
+          </p:cNvPicPr>
+          <p:nvPr/>
+        </p:nvPicPr>
+        <p:blipFill>
+          <a:blip r:embed="rId3"/>
+          <a:stretch>
+            <a:fillRect/>
+          </a:stretch>
+        </p:blipFill>
+        <p:spPr>
+          <a:xfrm>
+            <a:off x="5724128" y="1621185"/>
+            <a:ext cx="3292111" cy="3065441"/>
+          </a:xfrm>
+          <a:prstGeom prst="rect">
+            <a:avLst/>
+          </a:prstGeom>
+        </p:spPr>
+      </p:pic>
+      <p:sp>
+        <p:nvSpPr>
+          <p:cNvPr id="9" name="Oval 8">
+            <a:extLst>
+              <a:ext uri="{FF2B5EF4-FFF2-40B4-BE49-F238E27FC236}">
+                <a16:creationId xmlns:a16="http://schemas.microsoft.com/office/drawing/2014/main" id="{A92870D6-EF3C-AB47-B421-33E8EDF2BDEE}"/>
+              </a:ext>
+            </a:extLst>
+          </p:cNvPr>
+          <p:cNvSpPr/>
+          <p:nvPr/>
+        </p:nvSpPr>
+        <p:spPr>
+          <a:xfrm>
+            <a:off x="5724128" y="1739989"/>
+            <a:ext cx="2304256" cy="216024"/>
+          </a:xfrm>
+          <a:prstGeom prst="ellipse">
+            <a:avLst/>
+          </a:prstGeom>
+          <a:noFill/>
+          <a:ln>
+            <a:solidFill>
+              <a:srgbClr val="FF0000"/>
+            </a:solidFill>
+          </a:ln>
+        </p:spPr>
+        <p:style>
+          <a:lnRef idx="1">
+            <a:schemeClr val="accent1"/>
+          </a:lnRef>
+          <a:fillRef idx="3">
+            <a:schemeClr val="accent1"/>
+          </a:fillRef>
+          <a:effectRef idx="2">
+            <a:schemeClr val="accent1"/>
+          </a:effectRef>
+          <a:fontRef idx="minor">
+            <a:schemeClr val="lt1"/>
+          </a:fontRef>
+        </p:style>
+        <p:txBody>
+          <a:bodyPr rtlCol="0" anchor="ctr"/>
+          <a:lstStyle/>
+          <a:p>
+            <a:pPr algn="ctr"/>
+            <a:endParaRPr lang="de-DE"/>
+          </a:p>
+        </p:txBody>
+      </p:sp>
+    </p:spTree>
+    <p:extLst>
+      <p:ext uri="{BB962C8B-B14F-4D97-AF65-F5344CB8AC3E}">
+        <p14:creationId xmlns:p14="http://schemas.microsoft.com/office/powerpoint/2010/main" val="942184566"/>
+      </p:ext>
+    </p:extLst>
+  </p:cSld>
+  <p:clrMapOvr>
+    <a:masterClrMapping/>
+  </p:clrMapOvr>
+</p:sld>
+</file>
+
+<file path=ppt/slides/slide5.xml><?xml version="1.0" encoding="utf-8"?>
+<p:sld xmlns:a="http://schemas.openxmlformats.org/drawingml/2006/main" xmlns:r="http://schemas.openxmlformats.org/officeDocument/2006/relationships" xmlns:p="http://schemas.openxmlformats.org/presentationml/2006/main">
+  <p:cSld>
+    <p:spTree>
+      <p:nvGrpSpPr>
+        <p:cNvPr id="1" name=""/>
+        <p:cNvGrpSpPr/>
+        <p:nvPr/>
+      </p:nvGrpSpPr>
+      <p:grpSpPr>
+        <a:xfrm>
+          <a:off x="0" y="0"/>
+          <a:ext cx="0" cy="0"/>
+          <a:chOff x="0" y="0"/>
+          <a:chExt cx="0" cy="0"/>
+        </a:xfrm>
+      </p:grpSpPr>
+      <p:sp>
+        <p:nvSpPr>
+          <p:cNvPr id="2" name="Textplatzhalter 1">
+            <a:extLst>
+              <a:ext uri="{FF2B5EF4-FFF2-40B4-BE49-F238E27FC236}">
                 <a16:creationId xmlns:a16="http://schemas.microsoft.com/office/drawing/2014/main" id="{DA3BC8BF-F9E4-E345-BB2F-351ABDBF3532}"/>
               </a:ext>
             </a:extLst>
@@ -4990,7 +6402,7 @@
             </a:r>
             <a:r>
               <a:rPr lang="de-DE" dirty="0"/>
-              <a:t> 45% </a:t>
+              <a:t> 42,7% </a:t>
             </a:r>
             <a:r>
               <a:rPr lang="de-DE" dirty="0" err="1"/>
@@ -5025,7 +6437,7 @@
             </a:r>
             <a:r>
               <a:rPr lang="de-DE" dirty="0"/>
-              <a:t> 73% </a:t>
+              <a:t> 56,7% </a:t>
             </a:r>
             <a:r>
               <a:rPr lang="de-DE" dirty="0" err="1"/>
@@ -5033,7 +6445,45 @@
             </a:r>
             <a:r>
               <a:rPr lang="de-DE" dirty="0"/>
-              <a:t> Happy / Neutral</a:t>
+              <a:t> happy / </a:t>
+            </a:r>
+            <a:r>
+              <a:rPr lang="de-DE" dirty="0" err="1"/>
+              <a:t>sad</a:t>
+            </a:r>
+            <a:r>
+              <a:rPr lang="de-DE" dirty="0"/>
+              <a:t> /neutral</a:t>
+            </a:r>
+          </a:p>
+          <a:p>
+            <a:pPr marL="342900" indent="-342900">
+              <a:buFont typeface="Arial" panose="020B0604020202020204" pitchFamily="34" charset="0"/>
+              <a:buChar char="•"/>
+            </a:pPr>
+            <a:r>
+              <a:rPr lang="de-DE" dirty="0" err="1"/>
+              <a:t>Accuracy</a:t>
+            </a:r>
+            <a:r>
+              <a:rPr lang="de-DE" dirty="0"/>
+              <a:t> </a:t>
+            </a:r>
+            <a:r>
+              <a:rPr lang="de-DE" dirty="0" err="1"/>
+              <a:t>of</a:t>
+            </a:r>
+            <a:r>
+              <a:rPr lang="de-DE" dirty="0"/>
+              <a:t> 73% </a:t>
+            </a:r>
+            <a:r>
+              <a:rPr lang="de-DE" dirty="0" err="1"/>
+              <a:t>for</a:t>
+            </a:r>
+            <a:r>
+              <a:rPr lang="de-DE" dirty="0"/>
+              <a:t> happy / neutral</a:t>
             </a:r>
           </a:p>
           <a:p>
@@ -5064,7 +6514,7 @@
           <a:p>
             <a:fld id="{09D069C5-CC22-4E88-BB35-FA27CD7EA121}" type="datetime1">
               <a:rPr lang="de-DE" smtClean="0"/>
-              <a:t>07.07.20</a:t>
+              <a:t>10.07.20</a:t>
             </a:fld>
             <a:endParaRPr lang="de-DE" dirty="0"/>
           </a:p>
@@ -5122,7 +6572,7 @@
           <a:p>
             <a:fld id="{3E01A2B2-10AD-754B-9B4C-E5B6FED423D0}" type="slidenum">
               <a:rPr lang="de-DE" smtClean="0"/>
-              <a:t>4</a:t>
+              <a:t>5</a:t>
             </a:fld>
             <a:endParaRPr lang="de-DE"/>
           </a:p>
@@ -5150,7 +6600,7 @@
         </p:blipFill>
         <p:spPr>
           <a:xfrm>
-            <a:off x="4911570" y="1773351"/>
+            <a:off x="5127594" y="1773351"/>
             <a:ext cx="3836894" cy="2557929"/>
           </a:xfrm>
           <a:prstGeom prst="rect">
@@ -5171,7 +6621,7 @@
 </p:sld>
 </file>
 
-<file path=ppt/slides/slide5.xml><?xml version="1.0" encoding="utf-8"?>
+<file path=ppt/slides/slide6.xml><?xml version="1.0" encoding="utf-8"?>
 <p:sld xmlns:a="http://schemas.openxmlformats.org/drawingml/2006/main" xmlns:r="http://schemas.openxmlformats.org/officeDocument/2006/relationships" xmlns:p="http://schemas.openxmlformats.org/presentationml/2006/main">
   <p:cSld>
     <p:spTree>

--- a/Documentation/SVM Folien.pptx
+++ b/Documentation/SVM Folien.pptx
@@ -5,10 +5,10 @@
     <p:sldMasterId id="2147483648" r:id="rId1"/>
   </p:sldMasterIdLst>
   <p:notesMasterIdLst>
-    <p:notesMasterId r:id="rId8"/>
+    <p:notesMasterId r:id="rId9"/>
   </p:notesMasterIdLst>
   <p:handoutMasterIdLst>
-    <p:handoutMasterId r:id="rId9"/>
+    <p:handoutMasterId r:id="rId10"/>
   </p:handoutMasterIdLst>
   <p:sldIdLst>
     <p:sldId id="302" r:id="rId2"/>
@@ -16,7 +16,8 @@
     <p:sldId id="298" r:id="rId4"/>
     <p:sldId id="301" r:id="rId5"/>
     <p:sldId id="303" r:id="rId6"/>
-    <p:sldId id="287" r:id="rId7"/>
+    <p:sldId id="305" r:id="rId7"/>
+    <p:sldId id="287" r:id="rId8"/>
   </p:sldIdLst>
   <p:sldSz cx="9144000" cy="5143500" type="screen16x9"/>
   <p:notesSz cx="6858000" cy="9144000"/>
@@ -231,7 +232,7 @@
           <a:p>
             <a:fld id="{2DEC1590-0E15-4557-9C65-D8AD6B18B0C9}" type="datetimeFigureOut">
               <a:rPr lang="de-DE" smtClean="0"/>
-              <a:t>09.07.20</a:t>
+              <a:t>11.07.20</a:t>
             </a:fld>
             <a:endParaRPr lang="de-DE"/>
           </a:p>
@@ -408,7 +409,7 @@
           <a:p>
             <a:fld id="{04B5924E-4B7F-4B37-BD36-3DA72D6B2A43}" type="datetimeFigureOut">
               <a:rPr lang="de-DE" smtClean="0"/>
-              <a:t>09.07.20</a:t>
+              <a:t>11.07.20</a:t>
             </a:fld>
             <a:endParaRPr lang="de-DE"/>
           </a:p>
@@ -958,7 +959,7 @@
           <a:p>
             <a:fld id="{09D069C5-CC22-4E88-BB35-FA27CD7EA121}" type="datetime1">
               <a:rPr lang="de-DE" smtClean="0"/>
-              <a:t>09.07.20</a:t>
+              <a:t>11.07.20</a:t>
             </a:fld>
             <a:endParaRPr lang="de-DE" dirty="0"/>
           </a:p>
@@ -1336,7 +1337,7 @@
           <a:p>
             <a:fld id="{09D069C5-CC22-4E88-BB35-FA27CD7EA121}" type="datetime1">
               <a:rPr lang="de-DE" smtClean="0"/>
-              <a:t>09.07.20</a:t>
+              <a:t>11.07.20</a:t>
             </a:fld>
             <a:endParaRPr lang="de-DE" dirty="0"/>
           </a:p>
@@ -1692,7 +1693,7 @@
           <a:p>
             <a:fld id="{09D069C5-CC22-4E88-BB35-FA27CD7EA121}" type="datetime1">
               <a:rPr lang="de-DE" smtClean="0"/>
-              <a:t>09.07.20</a:t>
+              <a:t>11.07.20</a:t>
             </a:fld>
             <a:endParaRPr lang="de-DE" dirty="0"/>
           </a:p>
@@ -2047,7 +2048,7 @@
           <a:p>
             <a:fld id="{09D069C5-CC22-4E88-BB35-FA27CD7EA121}" type="datetime1">
               <a:rPr lang="de-DE" smtClean="0"/>
-              <a:t>09.07.20</a:t>
+              <a:t>11.07.20</a:t>
             </a:fld>
             <a:endParaRPr lang="de-DE" dirty="0"/>
           </a:p>
@@ -2311,7 +2312,7 @@
           <a:p>
             <a:fld id="{09D069C5-CC22-4E88-BB35-FA27CD7EA121}" type="datetime1">
               <a:rPr lang="de-DE" smtClean="0"/>
-              <a:t>09.07.20</a:t>
+              <a:t>11.07.20</a:t>
             </a:fld>
             <a:endParaRPr lang="de-DE" dirty="0"/>
           </a:p>
@@ -2518,7 +2519,7 @@
           <a:p>
             <a:fld id="{09D069C5-CC22-4E88-BB35-FA27CD7EA121}" type="datetime1">
               <a:rPr lang="de-DE" smtClean="0"/>
-              <a:t>09.07.20</a:t>
+              <a:t>11.07.20</a:t>
             </a:fld>
             <a:endParaRPr lang="de-DE" dirty="0"/>
           </a:p>
@@ -2798,7 +2799,7 @@
           <a:p>
             <a:fld id="{09D069C5-CC22-4E88-BB35-FA27CD7EA121}" type="datetime1">
               <a:rPr lang="de-DE" smtClean="0"/>
-              <a:t>09.07.20</a:t>
+              <a:t>11.07.20</a:t>
             </a:fld>
             <a:endParaRPr lang="de-DE" dirty="0"/>
           </a:p>
@@ -4077,6 +4078,53 @@
               <a:rPr lang="de-DE" dirty="0" err="1"/>
               <a:t>labels</a:t>
             </a:r>
+            <a:endParaRPr lang="de-DE" dirty="0"/>
+          </a:p>
+          <a:p>
+            <a:pPr marL="342900" indent="-342900">
+              <a:buFont typeface="Arial" panose="020B0604020202020204" pitchFamily="34" charset="0"/>
+              <a:buChar char="•"/>
+            </a:pPr>
+            <a:r>
+              <a:rPr lang="de-DE" dirty="0">
+                <a:solidFill>
+                  <a:srgbClr val="FF0000"/>
+                </a:solidFill>
+              </a:rPr>
+              <a:t>Problems </a:t>
+            </a:r>
+            <a:r>
+              <a:rPr lang="de-DE" dirty="0" err="1">
+                <a:solidFill>
+                  <a:srgbClr val="FF0000"/>
+                </a:solidFill>
+              </a:rPr>
+              <a:t>with</a:t>
+            </a:r>
+            <a:r>
+              <a:rPr lang="de-DE" dirty="0">
+                <a:solidFill>
+                  <a:srgbClr val="FF0000"/>
+                </a:solidFill>
+              </a:rPr>
+              <a:t> </a:t>
+            </a:r>
+            <a:r>
+              <a:rPr lang="de-DE" dirty="0" err="1">
+                <a:solidFill>
+                  <a:srgbClr val="FF0000"/>
+                </a:solidFill>
+              </a:rPr>
+              <a:t>the</a:t>
+            </a:r>
+            <a:r>
+              <a:rPr lang="de-DE" dirty="0">
+                <a:solidFill>
+                  <a:srgbClr val="FF0000"/>
+                </a:solidFill>
+              </a:rPr>
+              <a:t> Dataset</a:t>
+            </a:r>
             <a:br>
               <a:rPr lang="de-DE" dirty="0"/>
             </a:br>
@@ -4110,7 +4158,7 @@
           <a:p>
             <a:fld id="{09D069C5-CC22-4E88-BB35-FA27CD7EA121}" type="datetime1">
               <a:rPr lang="de-DE" smtClean="0"/>
-              <a:t>09.07.20</a:t>
+              <a:t>11.07.20</a:t>
             </a:fld>
             <a:endParaRPr lang="de-DE" dirty="0"/>
           </a:p>
@@ -4138,8 +4186,28 @@
           <a:lstStyle/>
           <a:p>
             <a:r>
-              <a:rPr lang="de-DE"/>
-              <a:t>Group 5 - Facial emotion recognition</a:t>
+              <a:rPr lang="de-DE" dirty="0"/>
+              <a:t>Group 5 - </a:t>
+            </a:r>
+            <a:r>
+              <a:rPr lang="de-DE" dirty="0" err="1"/>
+              <a:t>Facial</a:t>
+            </a:r>
+            <a:r>
+              <a:rPr lang="de-DE" dirty="0"/>
+              <a:t> </a:t>
+            </a:r>
+            <a:r>
+              <a:rPr lang="de-DE" dirty="0" err="1"/>
+              <a:t>emotion</a:t>
+            </a:r>
+            <a:r>
+              <a:rPr lang="de-DE" dirty="0"/>
+              <a:t> </a:t>
+            </a:r>
+            <a:r>
+              <a:rPr lang="de-DE" dirty="0" err="1"/>
+              <a:t>recognition</a:t>
             </a:r>
             <a:endParaRPr lang="de-DE" dirty="0"/>
           </a:p>
@@ -4174,36 +4242,6 @@
           </a:p>
         </p:txBody>
       </p:sp>
-      <p:pic>
-        <p:nvPicPr>
-          <p:cNvPr id="8" name="Grafik 7" descr="Ein Bild, das Screenshot enthält.&#10;&#10;Automatisch generierte Beschreibung">
-            <a:extLst>
-              <a:ext uri="{FF2B5EF4-FFF2-40B4-BE49-F238E27FC236}">
-                <a16:creationId xmlns:a16="http://schemas.microsoft.com/office/drawing/2014/main" id="{A530D8FE-CA3C-BA4C-A4D4-3C72CE1CEC7B}"/>
-              </a:ext>
-            </a:extLst>
-          </p:cNvPr>
-          <p:cNvPicPr>
-            <a:picLocks noChangeAspect="1"/>
-          </p:cNvPicPr>
-          <p:nvPr/>
-        </p:nvPicPr>
-        <p:blipFill>
-          <a:blip r:embed="rId2"/>
-          <a:stretch>
-            <a:fillRect/>
-          </a:stretch>
-        </p:blipFill>
-        <p:spPr>
-          <a:xfrm>
-            <a:off x="3767038" y="3082502"/>
-            <a:ext cx="5341466" cy="1577480"/>
-          </a:xfrm>
-          <a:prstGeom prst="rect">
-            <a:avLst/>
-          </a:prstGeom>
-        </p:spPr>
-      </p:pic>
       <p:pic>
         <p:nvPicPr>
           <p:cNvPr id="7" name="Grafik 6">
@@ -4219,7 +4257,7 @@
           <p:nvPr/>
         </p:nvPicPr>
         <p:blipFill>
-          <a:blip r:embed="rId3"/>
+          <a:blip r:embed="rId2"/>
           <a:stretch>
             <a:fillRect/>
           </a:stretch>
@@ -4249,7 +4287,7 @@
           <p:nvPr/>
         </p:nvPicPr>
         <p:blipFill>
-          <a:blip r:embed="rId4"/>
+          <a:blip r:embed="rId3"/>
           <a:stretch>
             <a:fillRect/>
           </a:stretch>
@@ -4264,6 +4302,207 @@
           </a:prstGeom>
         </p:spPr>
       </p:pic>
+      <p:pic>
+        <p:nvPicPr>
+          <p:cNvPr id="10" name="Bildschirmfoto 2020-07-10 um 01.39.01.png" descr="Bildschirmfoto 2020-07-10 um 01.39.01.png">
+            <a:extLst>
+              <a:ext uri="{FF2B5EF4-FFF2-40B4-BE49-F238E27FC236}">
+                <a16:creationId xmlns:a16="http://schemas.microsoft.com/office/drawing/2014/main" id="{C0A49B24-533F-944D-A73B-5F1E263FE564}"/>
+              </a:ext>
+            </a:extLst>
+          </p:cNvPr>
+          <p:cNvPicPr>
+            <a:picLocks noChangeAspect="1"/>
+          </p:cNvPicPr>
+          <p:nvPr/>
+        </p:nvPicPr>
+        <p:blipFill>
+          <a:blip r:embed="rId4"/>
+          <a:srcRect l="1583" t="35766" r="536"/>
+          <a:stretch>
+            <a:fillRect/>
+          </a:stretch>
+        </p:blipFill>
+        <p:spPr>
+          <a:xfrm>
+            <a:off x="5020786" y="3649880"/>
+            <a:ext cx="1587500" cy="652052"/>
+          </a:xfrm>
+          <a:prstGeom prst="rect">
+            <a:avLst/>
+          </a:prstGeom>
+          <a:ln w="12700">
+            <a:miter lim="400000"/>
+          </a:ln>
+        </p:spPr>
+      </p:pic>
+      <p:pic>
+        <p:nvPicPr>
+          <p:cNvPr id="11" name="Bildschirmfoto 2020-07-10 um 01.39.23.png" descr="Bildschirmfoto 2020-07-10 um 01.39.23.png">
+            <a:extLst>
+              <a:ext uri="{FF2B5EF4-FFF2-40B4-BE49-F238E27FC236}">
+                <a16:creationId xmlns:a16="http://schemas.microsoft.com/office/drawing/2014/main" id="{2658AFA9-FB99-8549-BC2E-14CBDB5AEB13}"/>
+              </a:ext>
+            </a:extLst>
+          </p:cNvPr>
+          <p:cNvPicPr>
+            <a:picLocks noChangeAspect="1"/>
+          </p:cNvPicPr>
+          <p:nvPr/>
+        </p:nvPicPr>
+        <p:blipFill>
+          <a:blip r:embed="rId5"/>
+          <a:srcRect t="34103"/>
+          <a:stretch>
+            <a:fillRect/>
+          </a:stretch>
+        </p:blipFill>
+        <p:spPr>
+          <a:xfrm>
+            <a:off x="7232972" y="3648118"/>
+            <a:ext cx="1587500" cy="653813"/>
+          </a:xfrm>
+          <a:prstGeom prst="rect">
+            <a:avLst/>
+          </a:prstGeom>
+          <a:ln w="12700">
+            <a:miter lim="400000"/>
+          </a:ln>
+        </p:spPr>
+      </p:pic>
+      <p:sp>
+        <p:nvSpPr>
+          <p:cNvPr id="12" name="Textfeld 11">
+            <a:extLst>
+              <a:ext uri="{FF2B5EF4-FFF2-40B4-BE49-F238E27FC236}">
+                <a16:creationId xmlns:a16="http://schemas.microsoft.com/office/drawing/2014/main" id="{5B81880A-B38A-EB49-86F4-EC630CD23AEB}"/>
+              </a:ext>
+            </a:extLst>
+          </p:cNvPr>
+          <p:cNvSpPr txBox="1"/>
+          <p:nvPr/>
+        </p:nvSpPr>
+        <p:spPr>
+          <a:xfrm>
+            <a:off x="6689902" y="3762348"/>
+            <a:ext cx="457176" cy="369332"/>
+          </a:xfrm>
+          <a:prstGeom prst="rect">
+            <a:avLst/>
+          </a:prstGeom>
+          <a:noFill/>
+        </p:spPr>
+        <p:txBody>
+          <a:bodyPr wrap="none" rtlCol="0">
+            <a:spAutoFit/>
+          </a:bodyPr>
+          <a:lstStyle/>
+          <a:p>
+            <a:r>
+              <a:rPr lang="de-DE" dirty="0">
+                <a:solidFill>
+                  <a:srgbClr val="FF0000"/>
+                </a:solidFill>
+              </a:rPr>
+              <a:t>⟺</a:t>
+            </a:r>
+          </a:p>
+        </p:txBody>
+      </p:sp>
+      <p:sp>
+        <p:nvSpPr>
+          <p:cNvPr id="13" name="Textfeld 12">
+            <a:extLst>
+              <a:ext uri="{FF2B5EF4-FFF2-40B4-BE49-F238E27FC236}">
+                <a16:creationId xmlns:a16="http://schemas.microsoft.com/office/drawing/2014/main" id="{4B7218FA-C99B-4A44-AE63-C2588A206DC9}"/>
+              </a:ext>
+            </a:extLst>
+          </p:cNvPr>
+          <p:cNvSpPr txBox="1"/>
+          <p:nvPr/>
+        </p:nvSpPr>
+        <p:spPr>
+          <a:xfrm>
+            <a:off x="5011831" y="4280197"/>
+            <a:ext cx="1521122" cy="307777"/>
+          </a:xfrm>
+          <a:prstGeom prst="rect">
+            <a:avLst/>
+          </a:prstGeom>
+          <a:noFill/>
+        </p:spPr>
+        <p:txBody>
+          <a:bodyPr wrap="none" rtlCol="0">
+            <a:spAutoFit/>
+          </a:bodyPr>
+          <a:lstStyle/>
+          <a:p>
+            <a:r>
+              <a:rPr lang="de-DE" sz="1400" dirty="0" err="1"/>
+              <a:t>Labeled</a:t>
+            </a:r>
+            <a:r>
+              <a:rPr lang="de-DE" sz="1400" dirty="0"/>
+              <a:t> </a:t>
+            </a:r>
+            <a:r>
+              <a:rPr lang="de-DE" sz="1400" dirty="0" err="1"/>
+              <a:t>as</a:t>
+            </a:r>
+            <a:r>
+              <a:rPr lang="de-DE" sz="1400" dirty="0"/>
+              <a:t> neutral</a:t>
+            </a:r>
+          </a:p>
+        </p:txBody>
+      </p:sp>
+      <p:sp>
+        <p:nvSpPr>
+          <p:cNvPr id="14" name="Textfeld 13">
+            <a:extLst>
+              <a:ext uri="{FF2B5EF4-FFF2-40B4-BE49-F238E27FC236}">
+                <a16:creationId xmlns:a16="http://schemas.microsoft.com/office/drawing/2014/main" id="{9327F9BB-FA28-EB4A-B571-0B620339AA31}"/>
+              </a:ext>
+            </a:extLst>
+          </p:cNvPr>
+          <p:cNvSpPr txBox="1"/>
+          <p:nvPr/>
+        </p:nvSpPr>
+        <p:spPr>
+          <a:xfrm>
+            <a:off x="7247861" y="4280197"/>
+            <a:ext cx="1445332" cy="307777"/>
+          </a:xfrm>
+          <a:prstGeom prst="rect">
+            <a:avLst/>
+          </a:prstGeom>
+          <a:noFill/>
+        </p:spPr>
+        <p:txBody>
+          <a:bodyPr wrap="none" rtlCol="0">
+            <a:spAutoFit/>
+          </a:bodyPr>
+          <a:lstStyle/>
+          <a:p>
+            <a:r>
+              <a:rPr lang="de-DE" sz="1400" dirty="0" err="1"/>
+              <a:t>Labeled</a:t>
+            </a:r>
+            <a:r>
+              <a:rPr lang="de-DE" sz="1400" dirty="0"/>
+              <a:t> </a:t>
+            </a:r>
+            <a:r>
+              <a:rPr lang="de-DE" sz="1400" dirty="0" err="1"/>
+              <a:t>as</a:t>
+            </a:r>
+            <a:r>
+              <a:rPr lang="de-DE" sz="1400" dirty="0"/>
+              <a:t> happy</a:t>
+            </a:r>
+          </a:p>
+        </p:txBody>
+      </p:sp>
     </p:spTree>
     <p:extLst>
       <p:ext uri="{BB962C8B-B14F-4D97-AF65-F5344CB8AC3E}">
@@ -4323,8 +4562,8 @@
           </a:p>
         </p:txBody>
       </p:sp>
-      <mc:AlternateContent xmlns:mc="http://schemas.openxmlformats.org/markup-compatibility/2006">
-        <mc:Choice xmlns:a14="http://schemas.microsoft.com/office/drawing/2010/main" Requires="a14">
+      <mc:AlternateContent xmlns:mc="http://schemas.openxmlformats.org/markup-compatibility/2006" xmlns:a14="http://schemas.microsoft.com/office/drawing/2010/main">
+        <mc:Choice Requires="a14">
           <p:sp>
             <p:nvSpPr>
               <p:cNvPr id="3" name="Textplatzhalter 2">
@@ -4554,7 +4793,7 @@
             </p:txBody>
           </p:sp>
         </mc:Choice>
-        <mc:Fallback>
+        <mc:Fallback xmlns="">
           <p:sp>
             <p:nvSpPr>
               <p:cNvPr id="3" name="Textplatzhalter 2">
@@ -4617,7 +4856,7 @@
           <a:p>
             <a:fld id="{09D069C5-CC22-4E88-BB35-FA27CD7EA121}" type="datetime1">
               <a:rPr lang="de-DE" smtClean="0"/>
-              <a:t>09.07.20</a:t>
+              <a:t>11.07.20</a:t>
             </a:fld>
             <a:endParaRPr lang="de-DE" dirty="0"/>
           </a:p>
@@ -4835,8 +5074,8 @@
           </a:p>
         </p:txBody>
       </p:sp>
-      <mc:AlternateContent xmlns:mc="http://schemas.openxmlformats.org/markup-compatibility/2006">
-        <mc:Choice xmlns:a14="http://schemas.microsoft.com/office/drawing/2010/main" Requires="a14">
+      <mc:AlternateContent xmlns:mc="http://schemas.openxmlformats.org/markup-compatibility/2006" xmlns:a14="http://schemas.microsoft.com/office/drawing/2010/main">
+        <mc:Choice Requires="a14">
           <p:sp>
             <p:nvSpPr>
               <p:cNvPr id="3" name="Textplatzhalter 2">
@@ -5512,7 +5751,7 @@
             </p:txBody>
           </p:sp>
         </mc:Choice>
-        <mc:Fallback>
+        <mc:Fallback xmlns="">
           <p:sp>
             <p:nvSpPr>
               <p:cNvPr id="3" name="Textplatzhalter 2">
@@ -5575,7 +5814,7 @@
           <a:p>
             <a:fld id="{09D069C5-CC22-4E88-BB35-FA27CD7EA121}" type="datetime1">
               <a:rPr lang="de-DE" smtClean="0"/>
-              <a:t>09.07.20</a:t>
+              <a:t>11.07.20</a:t>
             </a:fld>
             <a:endParaRPr lang="de-DE" dirty="0"/>
           </a:p>
@@ -5826,8 +6065,8 @@
           </a:p>
         </p:txBody>
       </p:sp>
-      <mc:AlternateContent xmlns:mc="http://schemas.openxmlformats.org/markup-compatibility/2006">
-        <mc:Choice xmlns:a14="http://schemas.microsoft.com/office/drawing/2010/main" Requires="a14">
+      <mc:AlternateContent xmlns:mc="http://schemas.openxmlformats.org/markup-compatibility/2006" xmlns:a14="http://schemas.microsoft.com/office/drawing/2010/main">
+        <mc:Choice Requires="a14">
           <p:sp>
             <p:nvSpPr>
               <p:cNvPr id="3" name="Textplatzhalter 2">
@@ -6097,7 +6336,7 @@
             </p:txBody>
           </p:sp>
         </mc:Choice>
-        <mc:Fallback>
+        <mc:Fallback xmlns="">
           <p:sp>
             <p:nvSpPr>
               <p:cNvPr id="3" name="Textplatzhalter 2">
@@ -6160,7 +6399,7 @@
           <a:p>
             <a:fld id="{09D069C5-CC22-4E88-BB35-FA27CD7EA121}" type="datetime1">
               <a:rPr lang="de-DE" smtClean="0"/>
-              <a:t>09.07.20</a:t>
+              <a:t>11.07.20</a:t>
             </a:fld>
             <a:endParaRPr lang="de-DE" dirty="0"/>
           </a:p>
@@ -6514,7 +6753,7 @@
           <a:p>
             <a:fld id="{09D069C5-CC22-4E88-BB35-FA27CD7EA121}" type="datetime1">
               <a:rPr lang="de-DE" smtClean="0"/>
-              <a:t>10.07.20</a:t>
+              <a:t>11.07.20</a:t>
             </a:fld>
             <a:endParaRPr lang="de-DE" dirty="0"/>
           </a:p>
@@ -6622,6 +6861,534 @@
 </file>
 
 <file path=ppt/slides/slide6.xml><?xml version="1.0" encoding="utf-8"?>
+<p:sld xmlns:a="http://schemas.openxmlformats.org/drawingml/2006/main" xmlns:r="http://schemas.openxmlformats.org/officeDocument/2006/relationships" xmlns:p="http://schemas.openxmlformats.org/presentationml/2006/main">
+  <p:cSld>
+    <p:spTree>
+      <p:nvGrpSpPr>
+        <p:cNvPr id="1" name=""/>
+        <p:cNvGrpSpPr/>
+        <p:nvPr/>
+      </p:nvGrpSpPr>
+      <p:grpSpPr>
+        <a:xfrm>
+          <a:off x="0" y="0"/>
+          <a:ext cx="0" cy="0"/>
+          <a:chOff x="0" y="0"/>
+          <a:chExt cx="0" cy="0"/>
+        </a:xfrm>
+      </p:grpSpPr>
+      <p:sp>
+        <p:nvSpPr>
+          <p:cNvPr id="2" name="Textplatzhalter 1">
+            <a:extLst>
+              <a:ext uri="{FF2B5EF4-FFF2-40B4-BE49-F238E27FC236}">
+                <a16:creationId xmlns:a16="http://schemas.microsoft.com/office/drawing/2014/main" id="{9E07597C-1F55-1B43-9997-B0104B0706BB}"/>
+              </a:ext>
+            </a:extLst>
+          </p:cNvPr>
+          <p:cNvSpPr>
+            <a:spLocks noGrp="1"/>
+          </p:cNvSpPr>
+          <p:nvPr>
+            <p:ph type="body" sz="quarter" idx="13"/>
+          </p:nvPr>
+        </p:nvSpPr>
+        <p:spPr/>
+        <p:txBody>
+          <a:bodyPr/>
+          <a:lstStyle/>
+          <a:p>
+            <a:r>
+              <a:rPr lang="de-DE" dirty="0" err="1"/>
+              <a:t>Comparison</a:t>
+            </a:r>
+            <a:endParaRPr lang="de-DE" dirty="0"/>
+          </a:p>
+        </p:txBody>
+      </p:sp>
+      <p:sp>
+        <p:nvSpPr>
+          <p:cNvPr id="4" name="Datumsplatzhalter 3">
+            <a:extLst>
+              <a:ext uri="{FF2B5EF4-FFF2-40B4-BE49-F238E27FC236}">
+                <a16:creationId xmlns:a16="http://schemas.microsoft.com/office/drawing/2014/main" id="{A075A7F3-59C0-6E4A-9818-402DD6EA110C}"/>
+              </a:ext>
+            </a:extLst>
+          </p:cNvPr>
+          <p:cNvSpPr>
+            <a:spLocks noGrp="1"/>
+          </p:cNvSpPr>
+          <p:nvPr>
+            <p:ph type="dt" sz="half" idx="2"/>
+          </p:nvPr>
+        </p:nvSpPr>
+        <p:spPr/>
+        <p:txBody>
+          <a:bodyPr/>
+          <a:lstStyle/>
+          <a:p>
+            <a:fld id="{09D069C5-CC22-4E88-BB35-FA27CD7EA121}" type="datetime1">
+              <a:rPr lang="de-DE" smtClean="0"/>
+              <a:t>11.07.20</a:t>
+            </a:fld>
+            <a:endParaRPr lang="de-DE" dirty="0"/>
+          </a:p>
+        </p:txBody>
+      </p:sp>
+      <p:sp>
+        <p:nvSpPr>
+          <p:cNvPr id="5" name="Fußzeilenplatzhalter 4">
+            <a:extLst>
+              <a:ext uri="{FF2B5EF4-FFF2-40B4-BE49-F238E27FC236}">
+                <a16:creationId xmlns:a16="http://schemas.microsoft.com/office/drawing/2014/main" id="{299ADBD8-D8C7-9847-89CC-C8484DAA4904}"/>
+              </a:ext>
+            </a:extLst>
+          </p:cNvPr>
+          <p:cNvSpPr>
+            <a:spLocks noGrp="1"/>
+          </p:cNvSpPr>
+          <p:nvPr>
+            <p:ph type="ftr" sz="quarter" idx="3"/>
+          </p:nvPr>
+        </p:nvSpPr>
+        <p:spPr/>
+        <p:txBody>
+          <a:bodyPr/>
+          <a:lstStyle/>
+          <a:p>
+            <a:r>
+              <a:rPr lang="de-DE"/>
+              <a:t>Group 5 - Facial emotion recognition</a:t>
+            </a:r>
+            <a:endParaRPr lang="de-DE" dirty="0"/>
+          </a:p>
+        </p:txBody>
+      </p:sp>
+      <p:sp>
+        <p:nvSpPr>
+          <p:cNvPr id="6" name="Foliennummernplatzhalter 5">
+            <a:extLst>
+              <a:ext uri="{FF2B5EF4-FFF2-40B4-BE49-F238E27FC236}">
+                <a16:creationId xmlns:a16="http://schemas.microsoft.com/office/drawing/2014/main" id="{F62FA889-4B6E-7D42-AFDD-01EF91284EEB}"/>
+              </a:ext>
+            </a:extLst>
+          </p:cNvPr>
+          <p:cNvSpPr>
+            <a:spLocks noGrp="1"/>
+          </p:cNvSpPr>
+          <p:nvPr>
+            <p:ph type="sldNum" sz="quarter" idx="4"/>
+          </p:nvPr>
+        </p:nvSpPr>
+        <p:spPr/>
+        <p:txBody>
+          <a:bodyPr/>
+          <a:lstStyle/>
+          <a:p>
+            <a:fld id="{3E01A2B2-10AD-754B-9B4C-E5B6FED423D0}" type="slidenum">
+              <a:rPr lang="de-DE" smtClean="0"/>
+              <a:t>6</a:t>
+            </a:fld>
+            <a:endParaRPr lang="de-DE"/>
+          </a:p>
+        </p:txBody>
+      </p:sp>
+      <p:graphicFrame>
+        <p:nvGraphicFramePr>
+          <p:cNvPr id="7" name="Tabelle 6">
+            <a:extLst>
+              <a:ext uri="{FF2B5EF4-FFF2-40B4-BE49-F238E27FC236}">
+                <a16:creationId xmlns:a16="http://schemas.microsoft.com/office/drawing/2014/main" id="{6060231F-B091-9344-AEBF-F98EDC29F0F4}"/>
+              </a:ext>
+            </a:extLst>
+          </p:cNvPr>
+          <p:cNvGraphicFramePr>
+            <a:graphicFrameLocks noGrp="1"/>
+          </p:cNvGraphicFramePr>
+          <p:nvPr>
+            <p:extLst>
+              <p:ext uri="{D42A27DB-BD31-4B8C-83A1-F6EECF244321}">
+                <p14:modId xmlns:p14="http://schemas.microsoft.com/office/powerpoint/2010/main" val="3813510897"/>
+              </p:ext>
+            </p:extLst>
+          </p:nvPr>
+        </p:nvGraphicFramePr>
+        <p:xfrm>
+          <a:off x="451465" y="1730386"/>
+          <a:ext cx="7936960" cy="2785580"/>
+        </p:xfrm>
+        <a:graphic>
+          <a:graphicData uri="http://schemas.openxmlformats.org/drawingml/2006/table">
+            <a:tbl>
+              <a:tblPr firstRow="1" bandRow="1">
+                <a:tableStyleId>{5C22544A-7EE6-4342-B048-85BDC9FD1C3A}</a:tableStyleId>
+              </a:tblPr>
+              <a:tblGrid>
+                <a:gridCol w="1587392">
+                  <a:extLst>
+                    <a:ext uri="{9D8B030D-6E8A-4147-A177-3AD203B41FA5}">
+                      <a16:colId xmlns:a16="http://schemas.microsoft.com/office/drawing/2014/main" val="601531448"/>
+                    </a:ext>
+                  </a:extLst>
+                </a:gridCol>
+                <a:gridCol w="1587392">
+                  <a:extLst>
+                    <a:ext uri="{9D8B030D-6E8A-4147-A177-3AD203B41FA5}">
+                      <a16:colId xmlns:a16="http://schemas.microsoft.com/office/drawing/2014/main" val="3425038646"/>
+                    </a:ext>
+                  </a:extLst>
+                </a:gridCol>
+                <a:gridCol w="1587392">
+                  <a:extLst>
+                    <a:ext uri="{9D8B030D-6E8A-4147-A177-3AD203B41FA5}">
+                      <a16:colId xmlns:a16="http://schemas.microsoft.com/office/drawing/2014/main" val="317061427"/>
+                    </a:ext>
+                  </a:extLst>
+                </a:gridCol>
+                <a:gridCol w="1587392">
+                  <a:extLst>
+                    <a:ext uri="{9D8B030D-6E8A-4147-A177-3AD203B41FA5}">
+                      <a16:colId xmlns:a16="http://schemas.microsoft.com/office/drawing/2014/main" val="1508695298"/>
+                    </a:ext>
+                  </a:extLst>
+                </a:gridCol>
+                <a:gridCol w="1587392">
+                  <a:extLst>
+                    <a:ext uri="{9D8B030D-6E8A-4147-A177-3AD203B41FA5}">
+                      <a16:colId xmlns:a16="http://schemas.microsoft.com/office/drawing/2014/main" val="2966084005"/>
+                    </a:ext>
+                  </a:extLst>
+                </a:gridCol>
+              </a:tblGrid>
+              <a:tr h="696395">
+                <a:tc>
+                  <a:txBody>
+                    <a:bodyPr/>
+                    <a:lstStyle/>
+                    <a:p>
+                      <a:endParaRPr lang="de-DE" dirty="0"/>
+                    </a:p>
+                  </a:txBody>
+                  <a:tcPr/>
+                </a:tc>
+                <a:tc>
+                  <a:txBody>
+                    <a:bodyPr/>
+                    <a:lstStyle/>
+                    <a:p>
+                      <a:r>
+                        <a:rPr lang="de-DE" dirty="0"/>
+                        <a:t>KNN</a:t>
+                      </a:r>
+                    </a:p>
+                  </a:txBody>
+                  <a:tcPr/>
+                </a:tc>
+                <a:tc>
+                  <a:txBody>
+                    <a:bodyPr/>
+                    <a:lstStyle/>
+                    <a:p>
+                      <a:r>
+                        <a:rPr lang="de-DE" dirty="0" err="1"/>
+                        <a:t>Adaboost</a:t>
+                      </a:r>
+                      <a:endParaRPr lang="de-DE" dirty="0"/>
+                    </a:p>
+                  </a:txBody>
+                  <a:tcPr/>
+                </a:tc>
+                <a:tc>
+                  <a:txBody>
+                    <a:bodyPr/>
+                    <a:lstStyle/>
+                    <a:p>
+                      <a:r>
+                        <a:rPr lang="de-DE" dirty="0"/>
+                        <a:t>SVM</a:t>
+                      </a:r>
+                    </a:p>
+                  </a:txBody>
+                  <a:tcPr/>
+                </a:tc>
+                <a:tc>
+                  <a:txBody>
+                    <a:bodyPr/>
+                    <a:lstStyle/>
+                    <a:p>
+                      <a:r>
+                        <a:rPr lang="de-DE" dirty="0"/>
+                        <a:t>CNN</a:t>
+                      </a:r>
+                    </a:p>
+                  </a:txBody>
+                  <a:tcPr/>
+                </a:tc>
+                <a:extLst>
+                  <a:ext uri="{0D108BD9-81ED-4DB2-BD59-A6C34878D82A}">
+                    <a16:rowId xmlns:a16="http://schemas.microsoft.com/office/drawing/2014/main" val="2725344805"/>
+                  </a:ext>
+                </a:extLst>
+              </a:tr>
+              <a:tr h="696395">
+                <a:tc>
+                  <a:txBody>
+                    <a:bodyPr/>
+                    <a:lstStyle/>
+                    <a:p>
+                      <a:r>
+                        <a:rPr lang="de-DE" dirty="0"/>
+                        <a:t>7 </a:t>
+                      </a:r>
+                      <a:r>
+                        <a:rPr lang="de-DE" dirty="0" err="1"/>
+                        <a:t>Emotions</a:t>
+                      </a:r>
+                      <a:endParaRPr lang="de-DE" dirty="0"/>
+                    </a:p>
+                  </a:txBody>
+                  <a:tcPr/>
+                </a:tc>
+                <a:tc>
+                  <a:txBody>
+                    <a:bodyPr/>
+                    <a:lstStyle/>
+                    <a:p>
+                      <a:r>
+                        <a:rPr lang="de-DE" dirty="0"/>
+                        <a:t>???</a:t>
+                      </a:r>
+                    </a:p>
+                  </a:txBody>
+                  <a:tcPr/>
+                </a:tc>
+                <a:tc>
+                  <a:txBody>
+                    <a:bodyPr/>
+                    <a:lstStyle/>
+                    <a:p>
+                      <a:r>
+                        <a:rPr lang="de-DE" dirty="0"/>
+                        <a:t>36,4 %</a:t>
+                      </a:r>
+                    </a:p>
+                  </a:txBody>
+                  <a:tcPr/>
+                </a:tc>
+                <a:tc>
+                  <a:txBody>
+                    <a:bodyPr/>
+                    <a:lstStyle/>
+                    <a:p>
+                      <a:r>
+                        <a:rPr lang="de-DE" dirty="0"/>
+                        <a:t>42,7 %</a:t>
+                      </a:r>
+                    </a:p>
+                  </a:txBody>
+                  <a:tcPr/>
+                </a:tc>
+                <a:tc>
+                  <a:txBody>
+                    <a:bodyPr/>
+                    <a:lstStyle/>
+                    <a:p>
+                      <a:r>
+                        <a:rPr lang="de-DE" dirty="0">
+                          <a:solidFill>
+                            <a:srgbClr val="009C00"/>
+                          </a:solidFill>
+                        </a:rPr>
+                        <a:t>62 %</a:t>
+                      </a:r>
+                    </a:p>
+                  </a:txBody>
+                  <a:tcPr/>
+                </a:tc>
+                <a:extLst>
+                  <a:ext uri="{0D108BD9-81ED-4DB2-BD59-A6C34878D82A}">
+                    <a16:rowId xmlns:a16="http://schemas.microsoft.com/office/drawing/2014/main" val="2739222742"/>
+                  </a:ext>
+                </a:extLst>
+              </a:tr>
+              <a:tr h="696395">
+                <a:tc>
+                  <a:txBody>
+                    <a:bodyPr/>
+                    <a:lstStyle/>
+                    <a:p>
+                      <a:r>
+                        <a:rPr lang="de-DE" dirty="0"/>
+                        <a:t>Happy / </a:t>
+                      </a:r>
+                      <a:r>
+                        <a:rPr lang="de-DE" dirty="0" err="1"/>
+                        <a:t>Sad</a:t>
+                      </a:r>
+                      <a:r>
+                        <a:rPr lang="de-DE" dirty="0"/>
+                        <a:t> / Neutral</a:t>
+                      </a:r>
+                    </a:p>
+                  </a:txBody>
+                  <a:tcPr/>
+                </a:tc>
+                <a:tc>
+                  <a:txBody>
+                    <a:bodyPr/>
+                    <a:lstStyle/>
+                    <a:p>
+                      <a:r>
+                        <a:rPr lang="de-DE" dirty="0"/>
+                        <a:t>???</a:t>
+                      </a:r>
+                    </a:p>
+                  </a:txBody>
+                  <a:tcPr/>
+                </a:tc>
+                <a:tc>
+                  <a:txBody>
+                    <a:bodyPr/>
+                    <a:lstStyle/>
+                    <a:p>
+                      <a:r>
+                        <a:rPr lang="de-DE" dirty="0"/>
+                        <a:t>56,7 %</a:t>
+                      </a:r>
+                    </a:p>
+                  </a:txBody>
+                  <a:tcPr/>
+                </a:tc>
+                <a:tc>
+                  <a:txBody>
+                    <a:bodyPr/>
+                    <a:lstStyle/>
+                    <a:p>
+                      <a:r>
+                        <a:rPr lang="de-DE" dirty="0"/>
+                        <a:t>56,7 %</a:t>
+                      </a:r>
+                    </a:p>
+                  </a:txBody>
+                  <a:tcPr/>
+                </a:tc>
+                <a:tc>
+                  <a:txBody>
+                    <a:bodyPr/>
+                    <a:lstStyle/>
+                    <a:p>
+                      <a:r>
+                        <a:rPr lang="de-DE" dirty="0">
+                          <a:solidFill>
+                            <a:srgbClr val="009C00"/>
+                          </a:solidFill>
+                        </a:rPr>
+                        <a:t>78 %</a:t>
+                      </a:r>
+                    </a:p>
+                  </a:txBody>
+                  <a:tcPr/>
+                </a:tc>
+                <a:extLst>
+                  <a:ext uri="{0D108BD9-81ED-4DB2-BD59-A6C34878D82A}">
+                    <a16:rowId xmlns:a16="http://schemas.microsoft.com/office/drawing/2014/main" val="1979897573"/>
+                  </a:ext>
+                </a:extLst>
+              </a:tr>
+              <a:tr h="696395">
+                <a:tc>
+                  <a:txBody>
+                    <a:bodyPr/>
+                    <a:lstStyle/>
+                    <a:p>
+                      <a:r>
+                        <a:rPr lang="de-DE" dirty="0"/>
+                        <a:t>Happy / Neutral</a:t>
+                      </a:r>
+                    </a:p>
+                  </a:txBody>
+                  <a:tcPr/>
+                </a:tc>
+                <a:tc>
+                  <a:txBody>
+                    <a:bodyPr/>
+                    <a:lstStyle/>
+                    <a:p>
+                      <a:r>
+                        <a:rPr lang="de-DE" dirty="0"/>
+                        <a:t>???</a:t>
+                      </a:r>
+                    </a:p>
+                  </a:txBody>
+                  <a:tcPr/>
+                </a:tc>
+                <a:tc>
+                  <a:txBody>
+                    <a:bodyPr/>
+                    <a:lstStyle/>
+                    <a:p>
+                      <a:r>
+                        <a:rPr lang="de-DE" dirty="0"/>
+                        <a:t>73,3 %</a:t>
+                      </a:r>
+                    </a:p>
+                  </a:txBody>
+                  <a:tcPr/>
+                </a:tc>
+                <a:tc>
+                  <a:txBody>
+                    <a:bodyPr/>
+                    <a:lstStyle/>
+                    <a:p>
+                      <a:r>
+                        <a:rPr lang="de-DE" dirty="0"/>
+                        <a:t>73 %</a:t>
+                      </a:r>
+                    </a:p>
+                  </a:txBody>
+                  <a:tcPr/>
+                </a:tc>
+                <a:tc>
+                  <a:txBody>
+                    <a:bodyPr/>
+                    <a:lstStyle/>
+                    <a:p>
+                      <a:r>
+                        <a:rPr lang="de-DE" dirty="0">
+                          <a:solidFill>
+                            <a:srgbClr val="009C00"/>
+                          </a:solidFill>
+                        </a:rPr>
+                        <a:t>91 %</a:t>
+                      </a:r>
+                    </a:p>
+                  </a:txBody>
+                  <a:tcPr/>
+                </a:tc>
+                <a:extLst>
+                  <a:ext uri="{0D108BD9-81ED-4DB2-BD59-A6C34878D82A}">
+                    <a16:rowId xmlns:a16="http://schemas.microsoft.com/office/drawing/2014/main" val="1744340242"/>
+                  </a:ext>
+                </a:extLst>
+              </a:tr>
+            </a:tbl>
+          </a:graphicData>
+        </a:graphic>
+      </p:graphicFrame>
+    </p:spTree>
+    <p:extLst>
+      <p:ext uri="{BB962C8B-B14F-4D97-AF65-F5344CB8AC3E}">
+        <p14:creationId xmlns:p14="http://schemas.microsoft.com/office/powerpoint/2010/main" val="4091421957"/>
+      </p:ext>
+    </p:extLst>
+  </p:cSld>
+  <p:clrMapOvr>
+    <a:masterClrMapping/>
+  </p:clrMapOvr>
+</p:sld>
+</file>
+
+<file path=ppt/slides/slide7.xml><?xml version="1.0" encoding="utf-8"?>
 <p:sld xmlns:a="http://schemas.openxmlformats.org/drawingml/2006/main" xmlns:r="http://schemas.openxmlformats.org/officeDocument/2006/relationships" xmlns:p="http://schemas.openxmlformats.org/presentationml/2006/main">
   <p:cSld>
     <p:spTree>

--- a/Documentation/SVM Folien.pptx
+++ b/Documentation/SVM Folien.pptx
@@ -5,10 +5,10 @@
     <p:sldMasterId id="2147483648" r:id="rId1"/>
   </p:sldMasterIdLst>
   <p:notesMasterIdLst>
-    <p:notesMasterId r:id="rId9"/>
+    <p:notesMasterId r:id="rId10"/>
   </p:notesMasterIdLst>
   <p:handoutMasterIdLst>
-    <p:handoutMasterId r:id="rId10"/>
+    <p:handoutMasterId r:id="rId11"/>
   </p:handoutMasterIdLst>
   <p:sldIdLst>
     <p:sldId id="302" r:id="rId2"/>
@@ -17,7 +17,8 @@
     <p:sldId id="301" r:id="rId5"/>
     <p:sldId id="303" r:id="rId6"/>
     <p:sldId id="305" r:id="rId7"/>
-    <p:sldId id="287" r:id="rId8"/>
+    <p:sldId id="306" r:id="rId8"/>
+    <p:sldId id="287" r:id="rId9"/>
   </p:sldIdLst>
   <p:sldSz cx="9144000" cy="5143500" type="screen16x9"/>
   <p:notesSz cx="6858000" cy="9144000"/>
@@ -232,7 +233,7 @@
           <a:p>
             <a:fld id="{2DEC1590-0E15-4557-9C65-D8AD6B18B0C9}" type="datetimeFigureOut">
               <a:rPr lang="de-DE" smtClean="0"/>
-              <a:t>11.07.20</a:t>
+              <a:t>14.07.20</a:t>
             </a:fld>
             <a:endParaRPr lang="de-DE"/>
           </a:p>
@@ -409,7 +410,7 @@
           <a:p>
             <a:fld id="{04B5924E-4B7F-4B37-BD36-3DA72D6B2A43}" type="datetimeFigureOut">
               <a:rPr lang="de-DE" smtClean="0"/>
-              <a:t>11.07.20</a:t>
+              <a:t>14.07.20</a:t>
             </a:fld>
             <a:endParaRPr lang="de-DE"/>
           </a:p>
@@ -959,7 +960,7 @@
           <a:p>
             <a:fld id="{09D069C5-CC22-4E88-BB35-FA27CD7EA121}" type="datetime1">
               <a:rPr lang="de-DE" smtClean="0"/>
-              <a:t>11.07.20</a:t>
+              <a:t>14.07.20</a:t>
             </a:fld>
             <a:endParaRPr lang="de-DE" dirty="0"/>
           </a:p>
@@ -1337,7 +1338,7 @@
           <a:p>
             <a:fld id="{09D069C5-CC22-4E88-BB35-FA27CD7EA121}" type="datetime1">
               <a:rPr lang="de-DE" smtClean="0"/>
-              <a:t>11.07.20</a:t>
+              <a:t>14.07.20</a:t>
             </a:fld>
             <a:endParaRPr lang="de-DE" dirty="0"/>
           </a:p>
@@ -1693,7 +1694,7 @@
           <a:p>
             <a:fld id="{09D069C5-CC22-4E88-BB35-FA27CD7EA121}" type="datetime1">
               <a:rPr lang="de-DE" smtClean="0"/>
-              <a:t>11.07.20</a:t>
+              <a:t>14.07.20</a:t>
             </a:fld>
             <a:endParaRPr lang="de-DE" dirty="0"/>
           </a:p>
@@ -2048,7 +2049,7 @@
           <a:p>
             <a:fld id="{09D069C5-CC22-4E88-BB35-FA27CD7EA121}" type="datetime1">
               <a:rPr lang="de-DE" smtClean="0"/>
-              <a:t>11.07.20</a:t>
+              <a:t>14.07.20</a:t>
             </a:fld>
             <a:endParaRPr lang="de-DE" dirty="0"/>
           </a:p>
@@ -2312,7 +2313,7 @@
           <a:p>
             <a:fld id="{09D069C5-CC22-4E88-BB35-FA27CD7EA121}" type="datetime1">
               <a:rPr lang="de-DE" smtClean="0"/>
-              <a:t>11.07.20</a:t>
+              <a:t>14.07.20</a:t>
             </a:fld>
             <a:endParaRPr lang="de-DE" dirty="0"/>
           </a:p>
@@ -2519,7 +2520,7 @@
           <a:p>
             <a:fld id="{09D069C5-CC22-4E88-BB35-FA27CD7EA121}" type="datetime1">
               <a:rPr lang="de-DE" smtClean="0"/>
-              <a:t>11.07.20</a:t>
+              <a:t>14.07.20</a:t>
             </a:fld>
             <a:endParaRPr lang="de-DE" dirty="0"/>
           </a:p>
@@ -2799,7 +2800,7 @@
           <a:p>
             <a:fld id="{09D069C5-CC22-4E88-BB35-FA27CD7EA121}" type="datetime1">
               <a:rPr lang="de-DE" smtClean="0"/>
-              <a:t>11.07.20</a:t>
+              <a:t>14.07.20</a:t>
             </a:fld>
             <a:endParaRPr lang="de-DE" dirty="0"/>
           </a:p>
@@ -4158,7 +4159,7 @@
           <a:p>
             <a:fld id="{09D069C5-CC22-4E88-BB35-FA27CD7EA121}" type="datetime1">
               <a:rPr lang="de-DE" smtClean="0"/>
-              <a:t>11.07.20</a:t>
+              <a:t>14.07.20</a:t>
             </a:fld>
             <a:endParaRPr lang="de-DE" dirty="0"/>
           </a:p>
@@ -4856,7 +4857,7 @@
           <a:p>
             <a:fld id="{09D069C5-CC22-4E88-BB35-FA27CD7EA121}" type="datetime1">
               <a:rPr lang="de-DE" smtClean="0"/>
-              <a:t>11.07.20</a:t>
+              <a:t>14.07.20</a:t>
             </a:fld>
             <a:endParaRPr lang="de-DE" dirty="0"/>
           </a:p>
@@ -5814,7 +5815,7 @@
           <a:p>
             <a:fld id="{09D069C5-CC22-4E88-BB35-FA27CD7EA121}" type="datetime1">
               <a:rPr lang="de-DE" smtClean="0"/>
-              <a:t>11.07.20</a:t>
+              <a:t>14.07.20</a:t>
             </a:fld>
             <a:endParaRPr lang="de-DE" dirty="0"/>
           </a:p>
@@ -6399,7 +6400,7 @@
           <a:p>
             <a:fld id="{09D069C5-CC22-4E88-BB35-FA27CD7EA121}" type="datetime1">
               <a:rPr lang="de-DE" smtClean="0"/>
-              <a:t>11.07.20</a:t>
+              <a:t>14.07.20</a:t>
             </a:fld>
             <a:endParaRPr lang="de-DE" dirty="0"/>
           </a:p>
@@ -6753,7 +6754,7 @@
           <a:p>
             <a:fld id="{09D069C5-CC22-4E88-BB35-FA27CD7EA121}" type="datetime1">
               <a:rPr lang="de-DE" smtClean="0"/>
-              <a:t>11.07.20</a:t>
+              <a:t>14.07.20</a:t>
             </a:fld>
             <a:endParaRPr lang="de-DE" dirty="0"/>
           </a:p>
@@ -6929,7 +6930,7 @@
           <a:p>
             <a:fld id="{09D069C5-CC22-4E88-BB35-FA27CD7EA121}" type="datetime1">
               <a:rPr lang="de-DE" smtClean="0"/>
-              <a:t>11.07.20</a:t>
+              <a:t>14.07.20</a:t>
             </a:fld>
             <a:endParaRPr lang="de-DE" dirty="0"/>
           </a:p>
@@ -7389,6 +7390,597 @@
 </file>
 
 <file path=ppt/slides/slide7.xml><?xml version="1.0" encoding="utf-8"?>
+<p:sld xmlns:a="http://schemas.openxmlformats.org/drawingml/2006/main" xmlns:r="http://schemas.openxmlformats.org/officeDocument/2006/relationships" xmlns:p="http://schemas.openxmlformats.org/presentationml/2006/main">
+  <p:cSld>
+    <p:spTree>
+      <p:nvGrpSpPr>
+        <p:cNvPr id="1" name=""/>
+        <p:cNvGrpSpPr/>
+        <p:nvPr/>
+      </p:nvGrpSpPr>
+      <p:grpSpPr>
+        <a:xfrm>
+          <a:off x="0" y="0"/>
+          <a:ext cx="0" cy="0"/>
+          <a:chOff x="0" y="0"/>
+          <a:chExt cx="0" cy="0"/>
+        </a:xfrm>
+      </p:grpSpPr>
+      <p:sp>
+        <p:nvSpPr>
+          <p:cNvPr id="2" name="Textplatzhalter 1">
+            <a:extLst>
+              <a:ext uri="{FF2B5EF4-FFF2-40B4-BE49-F238E27FC236}">
+                <a16:creationId xmlns:a16="http://schemas.microsoft.com/office/drawing/2014/main" id="{32306E02-8FA6-6C4A-84EE-1AB0B2A3AD67}"/>
+              </a:ext>
+            </a:extLst>
+          </p:cNvPr>
+          <p:cNvSpPr>
+            <a:spLocks noGrp="1"/>
+          </p:cNvSpPr>
+          <p:nvPr>
+            <p:ph type="body" sz="quarter" idx="13"/>
+          </p:nvPr>
+        </p:nvSpPr>
+        <p:spPr>
+          <a:xfrm>
+            <a:off x="214769" y="339676"/>
+            <a:ext cx="8533695" cy="503882"/>
+          </a:xfrm>
+        </p:spPr>
+        <p:txBody>
+          <a:bodyPr/>
+          <a:lstStyle/>
+          <a:p>
+            <a:pPr algn="ctr"/>
+            <a:r>
+              <a:rPr lang="de-DE" dirty="0" err="1"/>
+              <a:t>Responsibilities</a:t>
+            </a:r>
+            <a:endParaRPr lang="de-DE" dirty="0"/>
+          </a:p>
+        </p:txBody>
+      </p:sp>
+      <p:sp>
+        <p:nvSpPr>
+          <p:cNvPr id="4" name="Datumsplatzhalter 3">
+            <a:extLst>
+              <a:ext uri="{FF2B5EF4-FFF2-40B4-BE49-F238E27FC236}">
+                <a16:creationId xmlns:a16="http://schemas.microsoft.com/office/drawing/2014/main" id="{3F9DD9F1-DB15-C949-89D3-ABCF878521AA}"/>
+              </a:ext>
+            </a:extLst>
+          </p:cNvPr>
+          <p:cNvSpPr>
+            <a:spLocks noGrp="1"/>
+          </p:cNvSpPr>
+          <p:nvPr>
+            <p:ph type="dt" sz="half" idx="2"/>
+          </p:nvPr>
+        </p:nvSpPr>
+        <p:spPr/>
+        <p:txBody>
+          <a:bodyPr/>
+          <a:lstStyle/>
+          <a:p>
+            <a:fld id="{09D069C5-CC22-4E88-BB35-FA27CD7EA121}" type="datetime1">
+              <a:rPr lang="de-DE" smtClean="0"/>
+              <a:t>14.07.20</a:t>
+            </a:fld>
+            <a:endParaRPr lang="de-DE" dirty="0"/>
+          </a:p>
+        </p:txBody>
+      </p:sp>
+      <p:sp>
+        <p:nvSpPr>
+          <p:cNvPr id="5" name="Fußzeilenplatzhalter 4">
+            <a:extLst>
+              <a:ext uri="{FF2B5EF4-FFF2-40B4-BE49-F238E27FC236}">
+                <a16:creationId xmlns:a16="http://schemas.microsoft.com/office/drawing/2014/main" id="{0630BE2E-9244-5C4B-8930-2AEF36BC1DB5}"/>
+              </a:ext>
+            </a:extLst>
+          </p:cNvPr>
+          <p:cNvSpPr>
+            <a:spLocks noGrp="1"/>
+          </p:cNvSpPr>
+          <p:nvPr>
+            <p:ph type="ftr" sz="quarter" idx="3"/>
+          </p:nvPr>
+        </p:nvSpPr>
+        <p:spPr/>
+        <p:txBody>
+          <a:bodyPr/>
+          <a:lstStyle/>
+          <a:p>
+            <a:r>
+              <a:rPr lang="de-DE"/>
+              <a:t>Group 5 - Facial emotion recognition</a:t>
+            </a:r>
+            <a:endParaRPr lang="de-DE" dirty="0"/>
+          </a:p>
+        </p:txBody>
+      </p:sp>
+      <p:sp>
+        <p:nvSpPr>
+          <p:cNvPr id="6" name="Foliennummernplatzhalter 5">
+            <a:extLst>
+              <a:ext uri="{FF2B5EF4-FFF2-40B4-BE49-F238E27FC236}">
+                <a16:creationId xmlns:a16="http://schemas.microsoft.com/office/drawing/2014/main" id="{F8387CDA-0778-4E45-B4DE-E8733ACA73E9}"/>
+              </a:ext>
+            </a:extLst>
+          </p:cNvPr>
+          <p:cNvSpPr>
+            <a:spLocks noGrp="1"/>
+          </p:cNvSpPr>
+          <p:nvPr>
+            <p:ph type="sldNum" sz="quarter" idx="4"/>
+          </p:nvPr>
+        </p:nvSpPr>
+        <p:spPr/>
+        <p:txBody>
+          <a:bodyPr/>
+          <a:lstStyle/>
+          <a:p>
+            <a:fld id="{3E01A2B2-10AD-754B-9B4C-E5B6FED423D0}" type="slidenum">
+              <a:rPr lang="de-DE" smtClean="0"/>
+              <a:t>7</a:t>
+            </a:fld>
+            <a:endParaRPr lang="de-DE"/>
+          </a:p>
+        </p:txBody>
+      </p:sp>
+      <p:graphicFrame>
+        <p:nvGraphicFramePr>
+          <p:cNvPr id="7" name="Tabelle 6">
+            <a:extLst>
+              <a:ext uri="{FF2B5EF4-FFF2-40B4-BE49-F238E27FC236}">
+                <a16:creationId xmlns:a16="http://schemas.microsoft.com/office/drawing/2014/main" id="{3845AE41-C089-B042-8297-7AE1B076943B}"/>
+              </a:ext>
+            </a:extLst>
+          </p:cNvPr>
+          <p:cNvGraphicFramePr>
+            <a:graphicFrameLocks noGrp="1"/>
+          </p:cNvGraphicFramePr>
+          <p:nvPr>
+            <p:extLst>
+              <p:ext uri="{D42A27DB-BD31-4B8C-83A1-F6EECF244321}">
+                <p14:modId xmlns:p14="http://schemas.microsoft.com/office/powerpoint/2010/main" val="908279414"/>
+              </p:ext>
+            </p:extLst>
+          </p:nvPr>
+        </p:nvGraphicFramePr>
+        <p:xfrm>
+          <a:off x="323527" y="1275606"/>
+          <a:ext cx="8533696" cy="3240360"/>
+        </p:xfrm>
+        <a:graphic>
+          <a:graphicData uri="http://schemas.openxmlformats.org/drawingml/2006/table">
+            <a:tbl>
+              <a:tblPr firstRow="1" bandRow="1">
+                <a:tableStyleId>{5C22544A-7EE6-4342-B048-85BDC9FD1C3A}</a:tableStyleId>
+              </a:tblPr>
+              <a:tblGrid>
+                <a:gridCol w="4266848">
+                  <a:extLst>
+                    <a:ext uri="{9D8B030D-6E8A-4147-A177-3AD203B41FA5}">
+                      <a16:colId xmlns:a16="http://schemas.microsoft.com/office/drawing/2014/main" val="340597497"/>
+                    </a:ext>
+                  </a:extLst>
+                </a:gridCol>
+                <a:gridCol w="4266848">
+                  <a:extLst>
+                    <a:ext uri="{9D8B030D-6E8A-4147-A177-3AD203B41FA5}">
+                      <a16:colId xmlns:a16="http://schemas.microsoft.com/office/drawing/2014/main" val="3394232380"/>
+                    </a:ext>
+                  </a:extLst>
+                </a:gridCol>
+              </a:tblGrid>
+              <a:tr h="540060">
+                <a:tc>
+                  <a:txBody>
+                    <a:bodyPr/>
+                    <a:lstStyle/>
+                    <a:p>
+                      <a:r>
+                        <a:rPr lang="de-DE" dirty="0"/>
+                        <a:t>Name</a:t>
+                      </a:r>
+                    </a:p>
+                  </a:txBody>
+                  <a:tcPr/>
+                </a:tc>
+                <a:tc>
+                  <a:txBody>
+                    <a:bodyPr/>
+                    <a:lstStyle/>
+                    <a:p>
+                      <a:r>
+                        <a:rPr lang="de-DE" dirty="0"/>
+                        <a:t>Tasks / </a:t>
+                      </a:r>
+                      <a:r>
+                        <a:rPr lang="de-DE" dirty="0" err="1"/>
+                        <a:t>Roles</a:t>
+                      </a:r>
+                      <a:endParaRPr lang="de-DE" dirty="0"/>
+                    </a:p>
+                  </a:txBody>
+                  <a:tcPr/>
+                </a:tc>
+                <a:extLst>
+                  <a:ext uri="{0D108BD9-81ED-4DB2-BD59-A6C34878D82A}">
+                    <a16:rowId xmlns:a16="http://schemas.microsoft.com/office/drawing/2014/main" val="2197464425"/>
+                  </a:ext>
+                </a:extLst>
+              </a:tr>
+              <a:tr h="540060">
+                <a:tc>
+                  <a:txBody>
+                    <a:bodyPr/>
+                    <a:lstStyle/>
+                    <a:p>
+                      <a:r>
+                        <a:rPr lang="de-DE" dirty="0"/>
+                        <a:t>Max</a:t>
+                      </a:r>
+                    </a:p>
+                  </a:txBody>
+                  <a:tcPr/>
+                </a:tc>
+                <a:tc>
+                  <a:txBody>
+                    <a:bodyPr/>
+                    <a:lstStyle/>
+                    <a:p>
+                      <a:r>
+                        <a:rPr lang="de-DE" sz="1400" dirty="0"/>
+                        <a:t>Project Manager, </a:t>
+                      </a:r>
+                      <a:r>
+                        <a:rPr lang="de-DE" sz="1400" dirty="0" err="1"/>
+                        <a:t>Git</a:t>
+                      </a:r>
+                      <a:r>
+                        <a:rPr lang="de-DE" sz="1400" dirty="0"/>
+                        <a:t> </a:t>
+                      </a:r>
+                      <a:r>
+                        <a:rPr lang="de-DE" sz="1400" dirty="0" err="1"/>
+                        <a:t>introduction</a:t>
+                      </a:r>
+                      <a:r>
+                        <a:rPr lang="de-DE" sz="1400" dirty="0"/>
+                        <a:t>, SVM </a:t>
+                      </a:r>
+                      <a:r>
+                        <a:rPr lang="de-DE" sz="1400" dirty="0" err="1"/>
+                        <a:t>implementation</a:t>
+                      </a:r>
+                      <a:r>
+                        <a:rPr lang="de-DE" sz="1400" dirty="0"/>
+                        <a:t>, SVM </a:t>
+                      </a:r>
+                      <a:r>
+                        <a:rPr lang="de-DE" sz="1400" dirty="0" err="1"/>
+                        <a:t>documentation</a:t>
+                      </a:r>
+                      <a:r>
+                        <a:rPr lang="de-DE" sz="1400" dirty="0"/>
+                        <a:t>, </a:t>
+                      </a:r>
+                      <a:r>
+                        <a:rPr lang="de-DE" sz="1400" dirty="0" err="1"/>
+                        <a:t>dataset</a:t>
+                      </a:r>
+                      <a:endParaRPr lang="de-DE" sz="1400" dirty="0"/>
+                    </a:p>
+                  </a:txBody>
+                  <a:tcPr/>
+                </a:tc>
+                <a:extLst>
+                  <a:ext uri="{0D108BD9-81ED-4DB2-BD59-A6C34878D82A}">
+                    <a16:rowId xmlns:a16="http://schemas.microsoft.com/office/drawing/2014/main" val="1667389330"/>
+                  </a:ext>
+                </a:extLst>
+              </a:tr>
+              <a:tr h="540060">
+                <a:tc>
+                  <a:txBody>
+                    <a:bodyPr/>
+                    <a:lstStyle/>
+                    <a:p>
+                      <a:r>
+                        <a:rPr lang="de-DE" dirty="0" err="1"/>
+                        <a:t>Gulia</a:t>
+                      </a:r>
+                      <a:endParaRPr lang="de-DE" dirty="0"/>
+                    </a:p>
+                  </a:txBody>
+                  <a:tcPr/>
+                </a:tc>
+                <a:tc>
+                  <a:txBody>
+                    <a:bodyPr/>
+                    <a:lstStyle/>
+                    <a:p>
+                      <a:r>
+                        <a:rPr lang="de-DE" sz="1400" dirty="0" err="1"/>
+                        <a:t>Documentation</a:t>
+                      </a:r>
+                      <a:r>
+                        <a:rPr lang="de-DE" sz="1400" dirty="0"/>
+                        <a:t> </a:t>
+                      </a:r>
+                      <a:r>
+                        <a:rPr lang="de-DE" sz="1400" dirty="0" err="1"/>
+                        <a:t>of</a:t>
+                      </a:r>
+                      <a:r>
+                        <a:rPr lang="de-DE" sz="1400" dirty="0"/>
+                        <a:t> </a:t>
+                      </a:r>
+                      <a:r>
+                        <a:rPr lang="de-DE" sz="1400" dirty="0" err="1"/>
+                        <a:t>goals</a:t>
+                      </a:r>
+                      <a:r>
+                        <a:rPr lang="de-DE" sz="1400" dirty="0"/>
+                        <a:t> </a:t>
+                      </a:r>
+                      <a:r>
+                        <a:rPr lang="de-DE" sz="1400" dirty="0" err="1"/>
+                        <a:t>and</a:t>
+                      </a:r>
+                      <a:r>
+                        <a:rPr lang="de-DE" sz="1400" dirty="0"/>
+                        <a:t> </a:t>
+                      </a:r>
+                      <a:r>
+                        <a:rPr lang="de-DE" sz="1400" dirty="0" err="1"/>
+                        <a:t>progress</a:t>
+                      </a:r>
+                      <a:r>
+                        <a:rPr lang="de-DE" sz="1400" dirty="0"/>
+                        <a:t>, </a:t>
+                      </a:r>
+                      <a:r>
+                        <a:rPr lang="de-DE" sz="1400" dirty="0" err="1"/>
+                        <a:t>general</a:t>
+                      </a:r>
+                      <a:r>
+                        <a:rPr lang="de-DE" sz="1400" dirty="0"/>
+                        <a:t> </a:t>
+                      </a:r>
+                      <a:r>
+                        <a:rPr lang="de-DE" sz="1400" dirty="0" err="1"/>
+                        <a:t>machine</a:t>
+                      </a:r>
+                      <a:r>
+                        <a:rPr lang="de-DE" sz="1400" dirty="0"/>
+                        <a:t> </a:t>
+                      </a:r>
+                      <a:r>
+                        <a:rPr lang="de-DE" sz="1400" dirty="0" err="1"/>
+                        <a:t>learning</a:t>
+                      </a:r>
+                      <a:r>
+                        <a:rPr lang="de-DE" sz="1400" dirty="0"/>
+                        <a:t> </a:t>
+                      </a:r>
+                      <a:r>
+                        <a:rPr lang="de-DE" sz="1400" dirty="0" err="1"/>
+                        <a:t>documentation</a:t>
+                      </a:r>
+                      <a:r>
+                        <a:rPr lang="de-DE" sz="1400" dirty="0"/>
+                        <a:t>, </a:t>
+                      </a:r>
+                      <a:r>
+                        <a:rPr lang="de-DE" sz="1400" dirty="0" err="1"/>
+                        <a:t>dataset</a:t>
+                      </a:r>
+                      <a:endParaRPr lang="de-DE" sz="1400" dirty="0"/>
+                    </a:p>
+                  </a:txBody>
+                  <a:tcPr/>
+                </a:tc>
+                <a:extLst>
+                  <a:ext uri="{0D108BD9-81ED-4DB2-BD59-A6C34878D82A}">
+                    <a16:rowId xmlns:a16="http://schemas.microsoft.com/office/drawing/2014/main" val="3133216954"/>
+                  </a:ext>
+                </a:extLst>
+              </a:tr>
+              <a:tr h="540060">
+                <a:tc>
+                  <a:txBody>
+                    <a:bodyPr/>
+                    <a:lstStyle/>
+                    <a:p>
+                      <a:r>
+                        <a:rPr lang="de-DE" dirty="0"/>
+                        <a:t>Jonas</a:t>
+                      </a:r>
+                    </a:p>
+                  </a:txBody>
+                  <a:tcPr/>
+                </a:tc>
+                <a:tc>
+                  <a:txBody>
+                    <a:bodyPr/>
+                    <a:lstStyle/>
+                    <a:p>
+                      <a:r>
+                        <a:rPr lang="de-DE" sz="1400" dirty="0"/>
+                        <a:t>NN </a:t>
+                      </a:r>
+                      <a:r>
+                        <a:rPr lang="de-DE" sz="1400" dirty="0" err="1"/>
+                        <a:t>implementation</a:t>
+                      </a:r>
+                      <a:r>
+                        <a:rPr lang="de-DE" sz="1400" dirty="0"/>
+                        <a:t>, NN </a:t>
+                      </a:r>
+                      <a:r>
+                        <a:rPr lang="de-DE" sz="1400" dirty="0" err="1"/>
+                        <a:t>documentation</a:t>
+                      </a:r>
+                      <a:r>
+                        <a:rPr lang="de-DE" sz="1400" dirty="0"/>
+                        <a:t>, GUI, </a:t>
+                      </a:r>
+                      <a:r>
+                        <a:rPr lang="de-DE" sz="1400" dirty="0" err="1"/>
+                        <a:t>dataset</a:t>
+                      </a:r>
+                      <a:endParaRPr lang="de-DE" sz="1400" dirty="0"/>
+                    </a:p>
+                  </a:txBody>
+                  <a:tcPr/>
+                </a:tc>
+                <a:extLst>
+                  <a:ext uri="{0D108BD9-81ED-4DB2-BD59-A6C34878D82A}">
+                    <a16:rowId xmlns:a16="http://schemas.microsoft.com/office/drawing/2014/main" val="2413658164"/>
+                  </a:ext>
+                </a:extLst>
+              </a:tr>
+              <a:tr h="540060">
+                <a:tc>
+                  <a:txBody>
+                    <a:bodyPr/>
+                    <a:lstStyle/>
+                    <a:p>
+                      <a:r>
+                        <a:rPr lang="de-DE" dirty="0"/>
+                        <a:t>Timo</a:t>
+                      </a:r>
+                    </a:p>
+                  </a:txBody>
+                  <a:tcPr/>
+                </a:tc>
+                <a:tc>
+                  <a:txBody>
+                    <a:bodyPr/>
+                    <a:lstStyle/>
+                    <a:p>
+                      <a:r>
+                        <a:rPr lang="de-DE" sz="1400" dirty="0" err="1"/>
+                        <a:t>Decision</a:t>
+                      </a:r>
+                      <a:r>
+                        <a:rPr lang="de-DE" sz="1400" dirty="0"/>
+                        <a:t> </a:t>
+                      </a:r>
+                      <a:r>
+                        <a:rPr lang="de-DE" sz="1400" dirty="0" err="1"/>
+                        <a:t>Trees</a:t>
+                      </a:r>
+                      <a:r>
+                        <a:rPr lang="de-DE" sz="1400" dirty="0"/>
+                        <a:t>, </a:t>
+                      </a:r>
+                      <a:r>
+                        <a:rPr lang="de-DE" sz="1400" dirty="0" err="1"/>
+                        <a:t>adaboost</a:t>
+                      </a:r>
+                      <a:r>
+                        <a:rPr lang="de-DE" sz="1400" dirty="0"/>
+                        <a:t> </a:t>
+                      </a:r>
+                      <a:r>
+                        <a:rPr lang="de-DE" sz="1400" dirty="0" err="1"/>
+                        <a:t>implementation</a:t>
+                      </a:r>
+                      <a:r>
+                        <a:rPr lang="de-DE" sz="1400"/>
+                        <a:t>, </a:t>
+                      </a:r>
+                      <a:r>
+                        <a:rPr lang="de-DE" sz="1400" dirty="0" err="1"/>
+                        <a:t>dataset</a:t>
+                      </a:r>
+                      <a:endParaRPr lang="de-DE" sz="1400" dirty="0"/>
+                    </a:p>
+                  </a:txBody>
+                  <a:tcPr/>
+                </a:tc>
+                <a:extLst>
+                  <a:ext uri="{0D108BD9-81ED-4DB2-BD59-A6C34878D82A}">
+                    <a16:rowId xmlns:a16="http://schemas.microsoft.com/office/drawing/2014/main" val="4199958858"/>
+                  </a:ext>
+                </a:extLst>
+              </a:tr>
+              <a:tr h="540060">
+                <a:tc>
+                  <a:txBody>
+                    <a:bodyPr/>
+                    <a:lstStyle/>
+                    <a:p>
+                      <a:r>
+                        <a:rPr lang="de-DE" dirty="0"/>
+                        <a:t>John</a:t>
+                      </a:r>
+                    </a:p>
+                  </a:txBody>
+                  <a:tcPr/>
+                </a:tc>
+                <a:tc>
+                  <a:txBody>
+                    <a:bodyPr/>
+                    <a:lstStyle/>
+                    <a:p>
+                      <a:r>
+                        <a:rPr lang="de-DE" sz="1400" dirty="0"/>
+                        <a:t>KNN </a:t>
+                      </a:r>
+                      <a:r>
+                        <a:rPr lang="de-DE" sz="1400" dirty="0" err="1"/>
+                        <a:t>documentation</a:t>
+                      </a:r>
+                      <a:r>
+                        <a:rPr lang="de-DE" sz="1400" dirty="0"/>
+                        <a:t>, KNN </a:t>
+                      </a:r>
+                      <a:r>
+                        <a:rPr lang="de-DE" sz="1400" dirty="0" err="1"/>
+                        <a:t>implementation</a:t>
+                      </a:r>
+                      <a:r>
+                        <a:rPr lang="de-DE" sz="1400" dirty="0"/>
+                        <a:t>, </a:t>
+                      </a:r>
+                      <a:r>
+                        <a:rPr lang="de-DE" sz="1400" dirty="0" err="1"/>
+                        <a:t>dataset</a:t>
+                      </a:r>
+                      <a:endParaRPr lang="de-DE" sz="1400" dirty="0"/>
+                    </a:p>
+                  </a:txBody>
+                  <a:tcPr/>
+                </a:tc>
+                <a:extLst>
+                  <a:ext uri="{0D108BD9-81ED-4DB2-BD59-A6C34878D82A}">
+                    <a16:rowId xmlns:a16="http://schemas.microsoft.com/office/drawing/2014/main" val="3609407916"/>
+                  </a:ext>
+                </a:extLst>
+              </a:tr>
+            </a:tbl>
+          </a:graphicData>
+        </a:graphic>
+      </p:graphicFrame>
+    </p:spTree>
+    <p:extLst>
+      <p:ext uri="{BB962C8B-B14F-4D97-AF65-F5344CB8AC3E}">
+        <p14:creationId xmlns:p14="http://schemas.microsoft.com/office/powerpoint/2010/main" val="3834391726"/>
+      </p:ext>
+    </p:extLst>
+  </p:cSld>
+  <p:clrMapOvr>
+    <a:masterClrMapping/>
+  </p:clrMapOvr>
+</p:sld>
+</file>
+
+<file path=ppt/slides/slide8.xml><?xml version="1.0" encoding="utf-8"?>
 <p:sld xmlns:a="http://schemas.openxmlformats.org/drawingml/2006/main" xmlns:r="http://schemas.openxmlformats.org/officeDocument/2006/relationships" xmlns:p="http://schemas.openxmlformats.org/presentationml/2006/main">
   <p:cSld>
     <p:spTree>
